--- a/Resources/network.pptx
+++ b/Resources/network.pptx
@@ -4065,6 +4065,11 @@
             <a:avLst/>
           </a:prstGeom>
           <a:noFill/>
+          <a:ln>
+            <a:solidFill>
+              <a:schemeClr val="accent1"/>
+            </a:solidFill>
+          </a:ln>
         </p:spPr>
         <p:txBody>
           <a:bodyPr wrap="none" rtlCol="0">

--- a/Resources/network.pptx
+++ b/Resources/network.pptx
@@ -6,6 +6,7 @@
   </p:sldMasterIdLst>
   <p:sldIdLst>
     <p:sldId id="256" r:id="rId2"/>
+    <p:sldId id="257" r:id="rId3"/>
   </p:sldIdLst>
   <p:sldSz cx="12192000" cy="6858000"/>
   <p:notesSz cx="6858000" cy="9144000"/>
@@ -272,7 +273,7 @@
           <a:p>
             <a:fld id="{A49C4678-CB09-40EB-866E-40ABA59F9E18}" type="datetimeFigureOut">
               <a:rPr lang="en-AU" smtClean="0"/>
-              <a:t>9/10/2019</a:t>
+              <a:t>16/10/2019</a:t>
             </a:fld>
             <a:endParaRPr lang="en-AU"/>
           </a:p>
@@ -472,7 +473,7 @@
           <a:p>
             <a:fld id="{A49C4678-CB09-40EB-866E-40ABA59F9E18}" type="datetimeFigureOut">
               <a:rPr lang="en-AU" smtClean="0"/>
-              <a:t>9/10/2019</a:t>
+              <a:t>16/10/2019</a:t>
             </a:fld>
             <a:endParaRPr lang="en-AU"/>
           </a:p>
@@ -682,7 +683,7 @@
           <a:p>
             <a:fld id="{A49C4678-CB09-40EB-866E-40ABA59F9E18}" type="datetimeFigureOut">
               <a:rPr lang="en-AU" smtClean="0"/>
-              <a:t>9/10/2019</a:t>
+              <a:t>16/10/2019</a:t>
             </a:fld>
             <a:endParaRPr lang="en-AU"/>
           </a:p>
@@ -882,7 +883,7 @@
           <a:p>
             <a:fld id="{A49C4678-CB09-40EB-866E-40ABA59F9E18}" type="datetimeFigureOut">
               <a:rPr lang="en-AU" smtClean="0"/>
-              <a:t>9/10/2019</a:t>
+              <a:t>16/10/2019</a:t>
             </a:fld>
             <a:endParaRPr lang="en-AU"/>
           </a:p>
@@ -1158,7 +1159,7 @@
           <a:p>
             <a:fld id="{A49C4678-CB09-40EB-866E-40ABA59F9E18}" type="datetimeFigureOut">
               <a:rPr lang="en-AU" smtClean="0"/>
-              <a:t>9/10/2019</a:t>
+              <a:t>16/10/2019</a:t>
             </a:fld>
             <a:endParaRPr lang="en-AU"/>
           </a:p>
@@ -1426,7 +1427,7 @@
           <a:p>
             <a:fld id="{A49C4678-CB09-40EB-866E-40ABA59F9E18}" type="datetimeFigureOut">
               <a:rPr lang="en-AU" smtClean="0"/>
-              <a:t>9/10/2019</a:t>
+              <a:t>16/10/2019</a:t>
             </a:fld>
             <a:endParaRPr lang="en-AU"/>
           </a:p>
@@ -1841,7 +1842,7 @@
           <a:p>
             <a:fld id="{A49C4678-CB09-40EB-866E-40ABA59F9E18}" type="datetimeFigureOut">
               <a:rPr lang="en-AU" smtClean="0"/>
-              <a:t>9/10/2019</a:t>
+              <a:t>16/10/2019</a:t>
             </a:fld>
             <a:endParaRPr lang="en-AU"/>
           </a:p>
@@ -1983,7 +1984,7 @@
           <a:p>
             <a:fld id="{A49C4678-CB09-40EB-866E-40ABA59F9E18}" type="datetimeFigureOut">
               <a:rPr lang="en-AU" smtClean="0"/>
-              <a:t>9/10/2019</a:t>
+              <a:t>16/10/2019</a:t>
             </a:fld>
             <a:endParaRPr lang="en-AU"/>
           </a:p>
@@ -2096,7 +2097,7 @@
           <a:p>
             <a:fld id="{A49C4678-CB09-40EB-866E-40ABA59F9E18}" type="datetimeFigureOut">
               <a:rPr lang="en-AU" smtClean="0"/>
-              <a:t>9/10/2019</a:t>
+              <a:t>16/10/2019</a:t>
             </a:fld>
             <a:endParaRPr lang="en-AU"/>
           </a:p>
@@ -2409,7 +2410,7 @@
           <a:p>
             <a:fld id="{A49C4678-CB09-40EB-866E-40ABA59F9E18}" type="datetimeFigureOut">
               <a:rPr lang="en-AU" smtClean="0"/>
-              <a:t>9/10/2019</a:t>
+              <a:t>16/10/2019</a:t>
             </a:fld>
             <a:endParaRPr lang="en-AU"/>
           </a:p>
@@ -2698,7 +2699,7 @@
           <a:p>
             <a:fld id="{A49C4678-CB09-40EB-866E-40ABA59F9E18}" type="datetimeFigureOut">
               <a:rPr lang="en-AU" smtClean="0"/>
-              <a:t>9/10/2019</a:t>
+              <a:t>16/10/2019</a:t>
             </a:fld>
             <a:endParaRPr lang="en-AU"/>
           </a:p>
@@ -2941,7 +2942,7 @@
           <a:p>
             <a:fld id="{A49C4678-CB09-40EB-866E-40ABA59F9E18}" type="datetimeFigureOut">
               <a:rPr lang="en-AU" smtClean="0"/>
-              <a:t>9/10/2019</a:t>
+              <a:t>16/10/2019</a:t>
             </a:fld>
             <a:endParaRPr lang="en-AU"/>
           </a:p>
@@ -4205,6 +4206,518 @@
 </p:sld>
 </file>
 
+<file path=ppt/slides/slide2.xml><?xml version="1.0" encoding="utf-8"?>
+<p:sld xmlns:a="http://schemas.openxmlformats.org/drawingml/2006/main" xmlns:r="http://schemas.openxmlformats.org/officeDocument/2006/relationships" xmlns:p="http://schemas.openxmlformats.org/presentationml/2006/main">
+  <p:cSld>
+    <p:spTree>
+      <p:nvGrpSpPr>
+        <p:cNvPr id="1" name=""/>
+        <p:cNvGrpSpPr/>
+        <p:nvPr/>
+      </p:nvGrpSpPr>
+      <p:grpSpPr>
+        <a:xfrm>
+          <a:off x="0" y="0"/>
+          <a:ext cx="0" cy="0"/>
+          <a:chOff x="0" y="0"/>
+          <a:chExt cx="0" cy="0"/>
+        </a:xfrm>
+      </p:grpSpPr>
+      <p:pic>
+        <p:nvPicPr>
+          <p:cNvPr id="50" name="Picture 49">
+            <a:extLst>
+              <a:ext uri="{FF2B5EF4-FFF2-40B4-BE49-F238E27FC236}">
+                <a16:creationId xmlns:a16="http://schemas.microsoft.com/office/drawing/2014/main" id="{31DEC10A-7AAF-443D-BF45-17FF9C1FA305}"/>
+              </a:ext>
+            </a:extLst>
+          </p:cNvPr>
+          <p:cNvPicPr>
+            <a:picLocks noChangeAspect="1"/>
+          </p:cNvPicPr>
+          <p:nvPr/>
+        </p:nvPicPr>
+        <p:blipFill rotWithShape="1">
+          <a:blip r:embed="rId2"/>
+          <a:srcRect l="6508" t="9994" r="8415" b="10710"/>
+          <a:stretch/>
+        </p:blipFill>
+        <p:spPr>
+          <a:xfrm>
+            <a:off x="5622436" y="2322698"/>
+            <a:ext cx="1072973" cy="1572279"/>
+          </a:xfrm>
+          <a:prstGeom prst="rect">
+            <a:avLst/>
+          </a:prstGeom>
+        </p:spPr>
+      </p:pic>
+      <p:pic>
+        <p:nvPicPr>
+          <p:cNvPr id="51" name="Picture 50">
+            <a:extLst>
+              <a:ext uri="{FF2B5EF4-FFF2-40B4-BE49-F238E27FC236}">
+                <a16:creationId xmlns:a16="http://schemas.microsoft.com/office/drawing/2014/main" id="{E3D8AB50-7367-4973-A22D-DBFC216DB04B}"/>
+              </a:ext>
+            </a:extLst>
+          </p:cNvPr>
+          <p:cNvPicPr>
+            <a:picLocks noChangeAspect="1"/>
+          </p:cNvPicPr>
+          <p:nvPr/>
+        </p:nvPicPr>
+        <p:blipFill>
+          <a:blip r:embed="rId3"/>
+          <a:stretch>
+            <a:fillRect/>
+          </a:stretch>
+        </p:blipFill>
+        <p:spPr>
+          <a:xfrm>
+            <a:off x="7320129" y="1455276"/>
+            <a:ext cx="2006870" cy="669739"/>
+          </a:xfrm>
+          <a:prstGeom prst="rect">
+            <a:avLst/>
+          </a:prstGeom>
+        </p:spPr>
+      </p:pic>
+      <p:cxnSp>
+        <p:nvCxnSpPr>
+          <p:cNvPr id="20" name="Connector: Elbow 19">
+            <a:extLst>
+              <a:ext uri="{FF2B5EF4-FFF2-40B4-BE49-F238E27FC236}">
+                <a16:creationId xmlns:a16="http://schemas.microsoft.com/office/drawing/2014/main" id="{38DC76CC-26BE-4797-9EA1-5BA80D0F8D51}"/>
+              </a:ext>
+            </a:extLst>
+          </p:cNvPr>
+          <p:cNvCxnSpPr>
+            <a:cxnSpLocks/>
+            <a:stCxn id="50" idx="0"/>
+            <a:endCxn id="51" idx="1"/>
+          </p:cNvCxnSpPr>
+          <p:nvPr/>
+        </p:nvCxnSpPr>
+        <p:spPr>
+          <a:xfrm rot="5400000" flipH="1" flipV="1">
+            <a:off x="6473250" y="1475819"/>
+            <a:ext cx="532552" cy="1161206"/>
+          </a:xfrm>
+          <a:prstGeom prst="bentConnector2">
+            <a:avLst/>
+          </a:prstGeom>
+        </p:spPr>
+        <p:style>
+          <a:lnRef idx="3">
+            <a:schemeClr val="accent5"/>
+          </a:lnRef>
+          <a:fillRef idx="0">
+            <a:schemeClr val="accent5"/>
+          </a:fillRef>
+          <a:effectRef idx="2">
+            <a:schemeClr val="accent5"/>
+          </a:effectRef>
+          <a:fontRef idx="minor">
+            <a:schemeClr val="tx1"/>
+          </a:fontRef>
+        </p:style>
+      </p:cxnSp>
+      <p:pic>
+        <p:nvPicPr>
+          <p:cNvPr id="33" name="Picture 32">
+            <a:extLst>
+              <a:ext uri="{FF2B5EF4-FFF2-40B4-BE49-F238E27FC236}">
+                <a16:creationId xmlns:a16="http://schemas.microsoft.com/office/drawing/2014/main" id="{F5399DFC-94D6-4C11-870D-FE8E607C9D2E}"/>
+              </a:ext>
+            </a:extLst>
+          </p:cNvPr>
+          <p:cNvPicPr>
+            <a:picLocks noChangeAspect="1"/>
+          </p:cNvPicPr>
+          <p:nvPr/>
+        </p:nvPicPr>
+        <p:blipFill rotWithShape="1">
+          <a:blip r:embed="rId2"/>
+          <a:srcRect l="6508" t="9994" r="8415" b="10710"/>
+          <a:stretch/>
+        </p:blipFill>
+        <p:spPr>
+          <a:xfrm>
+            <a:off x="7787078" y="2328681"/>
+            <a:ext cx="1072973" cy="1572279"/>
+          </a:xfrm>
+          <a:prstGeom prst="rect">
+            <a:avLst/>
+          </a:prstGeom>
+        </p:spPr>
+      </p:pic>
+      <p:cxnSp>
+        <p:nvCxnSpPr>
+          <p:cNvPr id="29" name="Straight Connector 28">
+            <a:extLst>
+              <a:ext uri="{FF2B5EF4-FFF2-40B4-BE49-F238E27FC236}">
+                <a16:creationId xmlns:a16="http://schemas.microsoft.com/office/drawing/2014/main" id="{4D5B1C10-9597-4C94-8AF2-B38FC39A1CD9}"/>
+              </a:ext>
+            </a:extLst>
+          </p:cNvPr>
+          <p:cNvCxnSpPr>
+            <a:cxnSpLocks/>
+            <a:stCxn id="33" idx="0"/>
+            <a:endCxn id="51" idx="2"/>
+          </p:cNvCxnSpPr>
+          <p:nvPr/>
+        </p:nvCxnSpPr>
+        <p:spPr>
+          <a:xfrm flipH="1" flipV="1">
+            <a:off x="8323564" y="2125015"/>
+            <a:ext cx="1" cy="203666"/>
+          </a:xfrm>
+          <a:prstGeom prst="line">
+            <a:avLst/>
+          </a:prstGeom>
+        </p:spPr>
+        <p:style>
+          <a:lnRef idx="3">
+            <a:schemeClr val="accent5"/>
+          </a:lnRef>
+          <a:fillRef idx="0">
+            <a:schemeClr val="accent5"/>
+          </a:fillRef>
+          <a:effectRef idx="2">
+            <a:schemeClr val="accent5"/>
+          </a:effectRef>
+          <a:fontRef idx="minor">
+            <a:schemeClr val="tx1"/>
+          </a:fontRef>
+        </p:style>
+      </p:cxnSp>
+      <p:pic>
+        <p:nvPicPr>
+          <p:cNvPr id="32" name="Picture 31">
+            <a:extLst>
+              <a:ext uri="{FF2B5EF4-FFF2-40B4-BE49-F238E27FC236}">
+                <a16:creationId xmlns:a16="http://schemas.microsoft.com/office/drawing/2014/main" id="{383DC3B3-600C-42E4-B7D8-3B8117C2827D}"/>
+              </a:ext>
+            </a:extLst>
+          </p:cNvPr>
+          <p:cNvPicPr>
+            <a:picLocks noChangeAspect="1"/>
+          </p:cNvPicPr>
+          <p:nvPr/>
+        </p:nvPicPr>
+        <p:blipFill>
+          <a:blip r:embed="rId4"/>
+          <a:stretch>
+            <a:fillRect/>
+          </a:stretch>
+        </p:blipFill>
+        <p:spPr>
+          <a:xfrm>
+            <a:off x="3300728" y="2776315"/>
+            <a:ext cx="1403387" cy="669739"/>
+          </a:xfrm>
+          <a:prstGeom prst="rect">
+            <a:avLst/>
+          </a:prstGeom>
+        </p:spPr>
+      </p:pic>
+      <p:pic>
+        <p:nvPicPr>
+          <p:cNvPr id="35" name="Picture 34">
+            <a:extLst>
+              <a:ext uri="{FF2B5EF4-FFF2-40B4-BE49-F238E27FC236}">
+                <a16:creationId xmlns:a16="http://schemas.microsoft.com/office/drawing/2014/main" id="{171122DB-5D9F-4DFE-A055-73D5FD69B701}"/>
+              </a:ext>
+            </a:extLst>
+          </p:cNvPr>
+          <p:cNvPicPr>
+            <a:picLocks noChangeAspect="1"/>
+          </p:cNvPicPr>
+          <p:nvPr/>
+        </p:nvPicPr>
+        <p:blipFill>
+          <a:blip r:embed="rId5"/>
+          <a:stretch>
+            <a:fillRect/>
+          </a:stretch>
+        </p:blipFill>
+        <p:spPr>
+          <a:xfrm>
+            <a:off x="3402767" y="4566674"/>
+            <a:ext cx="1199305" cy="1164232"/>
+          </a:xfrm>
+          <a:prstGeom prst="rect">
+            <a:avLst/>
+          </a:prstGeom>
+        </p:spPr>
+      </p:pic>
+      <p:pic>
+        <p:nvPicPr>
+          <p:cNvPr id="54" name="Picture 4" descr="Image result for wifi">
+            <a:extLst>
+              <a:ext uri="{FF2B5EF4-FFF2-40B4-BE49-F238E27FC236}">
+                <a16:creationId xmlns:a16="http://schemas.microsoft.com/office/drawing/2014/main" id="{0B7680DE-EFBF-45CE-AA69-F3673A0B175B}"/>
+              </a:ext>
+            </a:extLst>
+          </p:cNvPr>
+          <p:cNvPicPr>
+            <a:picLocks noChangeAspect="1" noChangeArrowheads="1"/>
+          </p:cNvPicPr>
+          <p:nvPr/>
+        </p:nvPicPr>
+        <p:blipFill rotWithShape="1">
+          <a:blip r:embed="rId6">
+            <a:extLst>
+              <a:ext uri="{28A0092B-C50C-407E-A947-70E740481C1C}">
+                <a14:useLocalDpi xmlns:a14="http://schemas.microsoft.com/office/drawing/2010/main" val="0"/>
+              </a:ext>
+            </a:extLst>
+          </a:blip>
+          <a:srcRect l="9224" t="17121" r="9255" b="17036"/>
+          <a:stretch/>
+        </p:blipFill>
+        <p:spPr bwMode="auto">
+          <a:xfrm rot="10800000" flipV="1">
+            <a:off x="3631632" y="3706883"/>
+            <a:ext cx="741574" cy="598962"/>
+          </a:xfrm>
+          <a:prstGeom prst="rect">
+            <a:avLst/>
+          </a:prstGeom>
+          <a:noFill/>
+          <a:extLst>
+            <a:ext uri="{909E8E84-426E-40DD-AFC4-6F175D3DCCD1}">
+              <a14:hiddenFill xmlns:a14="http://schemas.microsoft.com/office/drawing/2010/main">
+                <a:solidFill>
+                  <a:srgbClr val="FFFFFF"/>
+                </a:solidFill>
+              </a14:hiddenFill>
+            </a:ext>
+          </a:extLst>
+        </p:spPr>
+      </p:pic>
+      <p:sp>
+        <p:nvSpPr>
+          <p:cNvPr id="45" name="TextBox 44">
+            <a:extLst>
+              <a:ext uri="{FF2B5EF4-FFF2-40B4-BE49-F238E27FC236}">
+                <a16:creationId xmlns:a16="http://schemas.microsoft.com/office/drawing/2014/main" id="{5031F607-8850-402B-8F28-7A54E0D575C5}"/>
+              </a:ext>
+            </a:extLst>
+          </p:cNvPr>
+          <p:cNvSpPr txBox="1"/>
+          <p:nvPr/>
+        </p:nvSpPr>
+        <p:spPr>
+          <a:xfrm>
+            <a:off x="7473331" y="1067086"/>
+            <a:ext cx="1700466" cy="369332"/>
+          </a:xfrm>
+          <a:prstGeom prst="rect">
+            <a:avLst/>
+          </a:prstGeom>
+          <a:noFill/>
+        </p:spPr>
+        <p:txBody>
+          <a:bodyPr wrap="none" rtlCol="0">
+            <a:spAutoFit/>
+          </a:bodyPr>
+          <a:lstStyle/>
+          <a:p>
+            <a:pPr algn="ctr"/>
+            <a:r>
+              <a:rPr lang="en-AU" b="1" dirty="0"/>
+              <a:t>Network Switch</a:t>
+            </a:r>
+          </a:p>
+        </p:txBody>
+      </p:sp>
+      <p:sp>
+        <p:nvSpPr>
+          <p:cNvPr id="47" name="TextBox 46">
+            <a:extLst>
+              <a:ext uri="{FF2B5EF4-FFF2-40B4-BE49-F238E27FC236}">
+                <a16:creationId xmlns:a16="http://schemas.microsoft.com/office/drawing/2014/main" id="{1BFD96B3-A6A6-4CA2-B7E9-7829D13C5215}"/>
+              </a:ext>
+            </a:extLst>
+          </p:cNvPr>
+          <p:cNvSpPr txBox="1"/>
+          <p:nvPr/>
+        </p:nvSpPr>
+        <p:spPr>
+          <a:xfrm>
+            <a:off x="5631899" y="4069224"/>
+            <a:ext cx="2006869" cy="338554"/>
+          </a:xfrm>
+          <a:prstGeom prst="rect">
+            <a:avLst/>
+          </a:prstGeom>
+          <a:noFill/>
+          <a:ln>
+            <a:solidFill>
+              <a:schemeClr val="accent5"/>
+            </a:solidFill>
+          </a:ln>
+        </p:spPr>
+        <p:txBody>
+          <a:bodyPr wrap="square" rtlCol="0">
+            <a:spAutoFit/>
+          </a:bodyPr>
+          <a:lstStyle/>
+          <a:p>
+            <a:r>
+              <a:rPr lang="en-AU" sz="1600" b="1" dirty="0"/>
+              <a:t>Host</a:t>
+            </a:r>
+            <a:r>
+              <a:rPr lang="en-AU" sz="1600" dirty="0"/>
+              <a:t>: k8smaster.local</a:t>
+            </a:r>
+          </a:p>
+        </p:txBody>
+      </p:sp>
+      <p:sp>
+        <p:nvSpPr>
+          <p:cNvPr id="72" name="TextBox 71">
+            <a:extLst>
+              <a:ext uri="{FF2B5EF4-FFF2-40B4-BE49-F238E27FC236}">
+                <a16:creationId xmlns:a16="http://schemas.microsoft.com/office/drawing/2014/main" id="{03F98099-96A9-47BA-BCB1-C6E432C9C363}"/>
+              </a:ext>
+            </a:extLst>
+          </p:cNvPr>
+          <p:cNvSpPr txBox="1"/>
+          <p:nvPr/>
+        </p:nvSpPr>
+        <p:spPr>
+          <a:xfrm>
+            <a:off x="7775175" y="4069224"/>
+            <a:ext cx="2092156" cy="338554"/>
+          </a:xfrm>
+          <a:prstGeom prst="rect">
+            <a:avLst/>
+          </a:prstGeom>
+          <a:noFill/>
+          <a:ln>
+            <a:solidFill>
+              <a:schemeClr val="accent5"/>
+            </a:solidFill>
+          </a:ln>
+        </p:spPr>
+        <p:txBody>
+          <a:bodyPr wrap="square" rtlCol="0">
+            <a:spAutoFit/>
+          </a:bodyPr>
+          <a:lstStyle/>
+          <a:p>
+            <a:r>
+              <a:rPr lang="en-AU" sz="1600" b="1" dirty="0"/>
+              <a:t>Host</a:t>
+            </a:r>
+            <a:r>
+              <a:rPr lang="en-AU" sz="1600" dirty="0"/>
+              <a:t>: </a:t>
+            </a:r>
+            <a:r>
+              <a:rPr lang="en-AU" sz="1600" dirty="0" err="1"/>
+              <a:t>raspberrypi.local</a:t>
+            </a:r>
+            <a:endParaRPr lang="en-AU" sz="1600" dirty="0"/>
+          </a:p>
+        </p:txBody>
+      </p:sp>
+      <p:sp>
+        <p:nvSpPr>
+          <p:cNvPr id="80" name="Rectangle 79">
+            <a:extLst>
+              <a:ext uri="{FF2B5EF4-FFF2-40B4-BE49-F238E27FC236}">
+                <a16:creationId xmlns:a16="http://schemas.microsoft.com/office/drawing/2014/main" id="{3AAA8F20-0D6A-4CD5-AD2D-48C18DD8E8C1}"/>
+              </a:ext>
+            </a:extLst>
+          </p:cNvPr>
+          <p:cNvSpPr/>
+          <p:nvPr/>
+        </p:nvSpPr>
+        <p:spPr>
+          <a:xfrm>
+            <a:off x="3155072" y="2322698"/>
+            <a:ext cx="1715377" cy="400110"/>
+          </a:xfrm>
+          <a:prstGeom prst="rect">
+            <a:avLst/>
+          </a:prstGeom>
+        </p:spPr>
+        <p:txBody>
+          <a:bodyPr wrap="square">
+            <a:noAutofit/>
+          </a:bodyPr>
+          <a:lstStyle/>
+          <a:p>
+            <a:pPr algn="ctr"/>
+            <a:r>
+              <a:rPr lang="en-AU" b="1" dirty="0"/>
+              <a:t>Network Router</a:t>
+            </a:r>
+          </a:p>
+        </p:txBody>
+      </p:sp>
+      <p:pic>
+        <p:nvPicPr>
+          <p:cNvPr id="120" name="Picture 4" descr="Image result for wifi">
+            <a:extLst>
+              <a:ext uri="{FF2B5EF4-FFF2-40B4-BE49-F238E27FC236}">
+                <a16:creationId xmlns:a16="http://schemas.microsoft.com/office/drawing/2014/main" id="{9591C134-03F8-4B6E-AD04-7EB71F626C0C}"/>
+              </a:ext>
+            </a:extLst>
+          </p:cNvPr>
+          <p:cNvPicPr>
+            <a:picLocks noChangeAspect="1" noChangeArrowheads="1"/>
+          </p:cNvPicPr>
+          <p:nvPr/>
+        </p:nvPicPr>
+        <p:blipFill rotWithShape="1">
+          <a:blip r:embed="rId6">
+            <a:extLst>
+              <a:ext uri="{28A0092B-C50C-407E-A947-70E740481C1C}">
+                <a14:useLocalDpi xmlns:a14="http://schemas.microsoft.com/office/drawing/2010/main" val="0"/>
+              </a:ext>
+            </a:extLst>
+          </a:blip>
+          <a:srcRect l="9224" t="17121" r="9255" b="17036"/>
+          <a:stretch/>
+        </p:blipFill>
+        <p:spPr bwMode="auto">
+          <a:xfrm rot="5400000" flipV="1">
+            <a:off x="4789245" y="2818806"/>
+            <a:ext cx="741574" cy="598962"/>
+          </a:xfrm>
+          <a:prstGeom prst="rect">
+            <a:avLst/>
+          </a:prstGeom>
+          <a:noFill/>
+          <a:extLst>
+            <a:ext uri="{909E8E84-426E-40DD-AFC4-6F175D3DCCD1}">
+              <a14:hiddenFill xmlns:a14="http://schemas.microsoft.com/office/drawing/2010/main">
+                <a:solidFill>
+                  <a:srgbClr val="FFFFFF"/>
+                </a:solidFill>
+              </a14:hiddenFill>
+            </a:ext>
+          </a:extLst>
+        </p:spPr>
+      </p:pic>
+    </p:spTree>
+    <p:extLst>
+      <p:ext uri="{BB962C8B-B14F-4D97-AF65-F5344CB8AC3E}">
+        <p14:creationId xmlns:p14="http://schemas.microsoft.com/office/powerpoint/2010/main" val="3357537796"/>
+      </p:ext>
+    </p:extLst>
+  </p:cSld>
+  <p:clrMapOvr>
+    <a:masterClrMapping/>
+  </p:clrMapOvr>
+</p:sld>
+</file>
+
 <file path=ppt/theme/theme1.xml><?xml version="1.0" encoding="utf-8"?>
 <a:theme xmlns:a="http://schemas.openxmlformats.org/drawingml/2006/main" name="Office Theme">
   <a:themeElements>

--- a/Resources/network.pptx
+++ b/Resources/network.pptx
@@ -7,6 +7,7 @@
   <p:sldIdLst>
     <p:sldId id="256" r:id="rId2"/>
     <p:sldId id="257" r:id="rId3"/>
+    <p:sldId id="258" r:id="rId4"/>
   </p:sldIdLst>
   <p:sldSz cx="12192000" cy="6858000"/>
   <p:notesSz cx="6858000" cy="9144000"/>
@@ -4718,6 +4719,439 @@
 </p:sld>
 </file>
 
+<file path=ppt/slides/slide3.xml><?xml version="1.0" encoding="utf-8"?>
+<p:sld xmlns:a="http://schemas.openxmlformats.org/drawingml/2006/main" xmlns:r="http://schemas.openxmlformats.org/officeDocument/2006/relationships" xmlns:p="http://schemas.openxmlformats.org/presentationml/2006/main">
+  <p:cSld>
+    <p:spTree>
+      <p:nvGrpSpPr>
+        <p:cNvPr id="1" name=""/>
+        <p:cNvGrpSpPr/>
+        <p:nvPr/>
+      </p:nvGrpSpPr>
+      <p:grpSpPr>
+        <a:xfrm>
+          <a:off x="0" y="0"/>
+          <a:ext cx="0" cy="0"/>
+          <a:chOff x="0" y="0"/>
+          <a:chExt cx="0" cy="0"/>
+        </a:xfrm>
+      </p:grpSpPr>
+      <p:pic>
+        <p:nvPicPr>
+          <p:cNvPr id="50" name="Picture 49">
+            <a:extLst>
+              <a:ext uri="{FF2B5EF4-FFF2-40B4-BE49-F238E27FC236}">
+                <a16:creationId xmlns:a16="http://schemas.microsoft.com/office/drawing/2014/main" id="{31DEC10A-7AAF-443D-BF45-17FF9C1FA305}"/>
+              </a:ext>
+            </a:extLst>
+          </p:cNvPr>
+          <p:cNvPicPr>
+            <a:picLocks noChangeAspect="1"/>
+          </p:cNvPicPr>
+          <p:nvPr/>
+        </p:nvPicPr>
+        <p:blipFill rotWithShape="1">
+          <a:blip r:embed="rId2"/>
+          <a:srcRect l="6508" t="9994" r="8415" b="10710"/>
+          <a:stretch/>
+        </p:blipFill>
+        <p:spPr>
+          <a:xfrm>
+            <a:off x="5622436" y="2322698"/>
+            <a:ext cx="1072973" cy="1572279"/>
+          </a:xfrm>
+          <a:prstGeom prst="rect">
+            <a:avLst/>
+          </a:prstGeom>
+        </p:spPr>
+      </p:pic>
+      <p:pic>
+        <p:nvPicPr>
+          <p:cNvPr id="51" name="Picture 50">
+            <a:extLst>
+              <a:ext uri="{FF2B5EF4-FFF2-40B4-BE49-F238E27FC236}">
+                <a16:creationId xmlns:a16="http://schemas.microsoft.com/office/drawing/2014/main" id="{E3D8AB50-7367-4973-A22D-DBFC216DB04B}"/>
+              </a:ext>
+            </a:extLst>
+          </p:cNvPr>
+          <p:cNvPicPr>
+            <a:picLocks noChangeAspect="1"/>
+          </p:cNvPicPr>
+          <p:nvPr/>
+        </p:nvPicPr>
+        <p:blipFill>
+          <a:blip r:embed="rId3"/>
+          <a:stretch>
+            <a:fillRect/>
+          </a:stretch>
+        </p:blipFill>
+        <p:spPr>
+          <a:xfrm>
+            <a:off x="7320129" y="1455276"/>
+            <a:ext cx="2006870" cy="669739"/>
+          </a:xfrm>
+          <a:prstGeom prst="rect">
+            <a:avLst/>
+          </a:prstGeom>
+        </p:spPr>
+      </p:pic>
+      <p:cxnSp>
+        <p:nvCxnSpPr>
+          <p:cNvPr id="20" name="Connector: Elbow 19">
+            <a:extLst>
+              <a:ext uri="{FF2B5EF4-FFF2-40B4-BE49-F238E27FC236}">
+                <a16:creationId xmlns:a16="http://schemas.microsoft.com/office/drawing/2014/main" id="{38DC76CC-26BE-4797-9EA1-5BA80D0F8D51}"/>
+              </a:ext>
+            </a:extLst>
+          </p:cNvPr>
+          <p:cNvCxnSpPr>
+            <a:cxnSpLocks/>
+            <a:stCxn id="50" idx="0"/>
+            <a:endCxn id="51" idx="1"/>
+          </p:cNvCxnSpPr>
+          <p:nvPr/>
+        </p:nvCxnSpPr>
+        <p:spPr>
+          <a:xfrm rot="5400000" flipH="1" flipV="1">
+            <a:off x="6473250" y="1475819"/>
+            <a:ext cx="532552" cy="1161206"/>
+          </a:xfrm>
+          <a:prstGeom prst="bentConnector2">
+            <a:avLst/>
+          </a:prstGeom>
+        </p:spPr>
+        <p:style>
+          <a:lnRef idx="3">
+            <a:schemeClr val="accent5"/>
+          </a:lnRef>
+          <a:fillRef idx="0">
+            <a:schemeClr val="accent5"/>
+          </a:fillRef>
+          <a:effectRef idx="2">
+            <a:schemeClr val="accent5"/>
+          </a:effectRef>
+          <a:fontRef idx="minor">
+            <a:schemeClr val="tx1"/>
+          </a:fontRef>
+        </p:style>
+      </p:cxnSp>
+      <p:cxnSp>
+        <p:nvCxnSpPr>
+          <p:cNvPr id="29" name="Straight Connector 28">
+            <a:extLst>
+              <a:ext uri="{FF2B5EF4-FFF2-40B4-BE49-F238E27FC236}">
+                <a16:creationId xmlns:a16="http://schemas.microsoft.com/office/drawing/2014/main" id="{4D5B1C10-9597-4C94-8AF2-B38FC39A1CD9}"/>
+              </a:ext>
+            </a:extLst>
+          </p:cNvPr>
+          <p:cNvCxnSpPr>
+            <a:cxnSpLocks/>
+            <a:endCxn id="51" idx="2"/>
+          </p:cNvCxnSpPr>
+          <p:nvPr/>
+        </p:nvCxnSpPr>
+        <p:spPr>
+          <a:xfrm flipH="1" flipV="1">
+            <a:off x="8323564" y="2125015"/>
+            <a:ext cx="1" cy="203666"/>
+          </a:xfrm>
+          <a:prstGeom prst="line">
+            <a:avLst/>
+          </a:prstGeom>
+        </p:spPr>
+        <p:style>
+          <a:lnRef idx="3">
+            <a:schemeClr val="accent5"/>
+          </a:lnRef>
+          <a:fillRef idx="0">
+            <a:schemeClr val="accent5"/>
+          </a:fillRef>
+          <a:effectRef idx="2">
+            <a:schemeClr val="accent5"/>
+          </a:effectRef>
+          <a:fontRef idx="minor">
+            <a:schemeClr val="tx1"/>
+          </a:fontRef>
+        </p:style>
+      </p:cxnSp>
+      <p:pic>
+        <p:nvPicPr>
+          <p:cNvPr id="32" name="Picture 31">
+            <a:extLst>
+              <a:ext uri="{FF2B5EF4-FFF2-40B4-BE49-F238E27FC236}">
+                <a16:creationId xmlns:a16="http://schemas.microsoft.com/office/drawing/2014/main" id="{383DC3B3-600C-42E4-B7D8-3B8117C2827D}"/>
+              </a:ext>
+            </a:extLst>
+          </p:cNvPr>
+          <p:cNvPicPr>
+            <a:picLocks noChangeAspect="1"/>
+          </p:cNvPicPr>
+          <p:nvPr/>
+        </p:nvPicPr>
+        <p:blipFill>
+          <a:blip r:embed="rId4"/>
+          <a:stretch>
+            <a:fillRect/>
+          </a:stretch>
+        </p:blipFill>
+        <p:spPr>
+          <a:xfrm>
+            <a:off x="3300728" y="2776315"/>
+            <a:ext cx="1403387" cy="669739"/>
+          </a:xfrm>
+          <a:prstGeom prst="rect">
+            <a:avLst/>
+          </a:prstGeom>
+        </p:spPr>
+      </p:pic>
+      <p:pic>
+        <p:nvPicPr>
+          <p:cNvPr id="35" name="Picture 34">
+            <a:extLst>
+              <a:ext uri="{FF2B5EF4-FFF2-40B4-BE49-F238E27FC236}">
+                <a16:creationId xmlns:a16="http://schemas.microsoft.com/office/drawing/2014/main" id="{171122DB-5D9F-4DFE-A055-73D5FD69B701}"/>
+              </a:ext>
+            </a:extLst>
+          </p:cNvPr>
+          <p:cNvPicPr>
+            <a:picLocks noChangeAspect="1"/>
+          </p:cNvPicPr>
+          <p:nvPr/>
+        </p:nvPicPr>
+        <p:blipFill>
+          <a:blip r:embed="rId5"/>
+          <a:stretch>
+            <a:fillRect/>
+          </a:stretch>
+        </p:blipFill>
+        <p:spPr>
+          <a:xfrm>
+            <a:off x="3402767" y="4566674"/>
+            <a:ext cx="1199305" cy="1164232"/>
+          </a:xfrm>
+          <a:prstGeom prst="rect">
+            <a:avLst/>
+          </a:prstGeom>
+        </p:spPr>
+      </p:pic>
+      <p:pic>
+        <p:nvPicPr>
+          <p:cNvPr id="54" name="Picture 4" descr="Image result for wifi">
+            <a:extLst>
+              <a:ext uri="{FF2B5EF4-FFF2-40B4-BE49-F238E27FC236}">
+                <a16:creationId xmlns:a16="http://schemas.microsoft.com/office/drawing/2014/main" id="{0B7680DE-EFBF-45CE-AA69-F3673A0B175B}"/>
+              </a:ext>
+            </a:extLst>
+          </p:cNvPr>
+          <p:cNvPicPr>
+            <a:picLocks noChangeAspect="1" noChangeArrowheads="1"/>
+          </p:cNvPicPr>
+          <p:nvPr/>
+        </p:nvPicPr>
+        <p:blipFill rotWithShape="1">
+          <a:blip r:embed="rId6">
+            <a:extLst>
+              <a:ext uri="{28A0092B-C50C-407E-A947-70E740481C1C}">
+                <a14:useLocalDpi xmlns:a14="http://schemas.microsoft.com/office/drawing/2010/main" val="0"/>
+              </a:ext>
+            </a:extLst>
+          </a:blip>
+          <a:srcRect l="9224" t="17121" r="9255" b="17036"/>
+          <a:stretch/>
+        </p:blipFill>
+        <p:spPr bwMode="auto">
+          <a:xfrm rot="10800000" flipV="1">
+            <a:off x="3631632" y="3706883"/>
+            <a:ext cx="741574" cy="598962"/>
+          </a:xfrm>
+          <a:prstGeom prst="rect">
+            <a:avLst/>
+          </a:prstGeom>
+          <a:noFill/>
+          <a:extLst>
+            <a:ext uri="{909E8E84-426E-40DD-AFC4-6F175D3DCCD1}">
+              <a14:hiddenFill xmlns:a14="http://schemas.microsoft.com/office/drawing/2010/main">
+                <a:solidFill>
+                  <a:srgbClr val="FFFFFF"/>
+                </a:solidFill>
+              </a14:hiddenFill>
+            </a:ext>
+          </a:extLst>
+        </p:spPr>
+      </p:pic>
+      <p:sp>
+        <p:nvSpPr>
+          <p:cNvPr id="45" name="TextBox 44">
+            <a:extLst>
+              <a:ext uri="{FF2B5EF4-FFF2-40B4-BE49-F238E27FC236}">
+                <a16:creationId xmlns:a16="http://schemas.microsoft.com/office/drawing/2014/main" id="{5031F607-8850-402B-8F28-7A54E0D575C5}"/>
+              </a:ext>
+            </a:extLst>
+          </p:cNvPr>
+          <p:cNvSpPr txBox="1"/>
+          <p:nvPr/>
+        </p:nvSpPr>
+        <p:spPr>
+          <a:xfrm>
+            <a:off x="7473331" y="1067086"/>
+            <a:ext cx="1700466" cy="369332"/>
+          </a:xfrm>
+          <a:prstGeom prst="rect">
+            <a:avLst/>
+          </a:prstGeom>
+          <a:noFill/>
+        </p:spPr>
+        <p:txBody>
+          <a:bodyPr wrap="none" rtlCol="0">
+            <a:spAutoFit/>
+          </a:bodyPr>
+          <a:lstStyle/>
+          <a:p>
+            <a:pPr algn="ctr"/>
+            <a:r>
+              <a:rPr lang="en-AU" b="1" dirty="0"/>
+              <a:t>Network Switch</a:t>
+            </a:r>
+          </a:p>
+        </p:txBody>
+      </p:sp>
+      <p:sp>
+        <p:nvSpPr>
+          <p:cNvPr id="47" name="TextBox 46">
+            <a:extLst>
+              <a:ext uri="{FF2B5EF4-FFF2-40B4-BE49-F238E27FC236}">
+                <a16:creationId xmlns:a16="http://schemas.microsoft.com/office/drawing/2014/main" id="{1BFD96B3-A6A6-4CA2-B7E9-7829D13C5215}"/>
+              </a:ext>
+            </a:extLst>
+          </p:cNvPr>
+          <p:cNvSpPr txBox="1"/>
+          <p:nvPr/>
+        </p:nvSpPr>
+        <p:spPr>
+          <a:xfrm>
+            <a:off x="5631899" y="4069224"/>
+            <a:ext cx="2006869" cy="338554"/>
+          </a:xfrm>
+          <a:prstGeom prst="rect">
+            <a:avLst/>
+          </a:prstGeom>
+          <a:noFill/>
+          <a:ln>
+            <a:solidFill>
+              <a:schemeClr val="accent5"/>
+            </a:solidFill>
+          </a:ln>
+        </p:spPr>
+        <p:txBody>
+          <a:bodyPr wrap="square" rtlCol="0">
+            <a:spAutoFit/>
+          </a:bodyPr>
+          <a:lstStyle/>
+          <a:p>
+            <a:r>
+              <a:rPr lang="en-AU" sz="1600" b="1" dirty="0"/>
+              <a:t>Host</a:t>
+            </a:r>
+            <a:r>
+              <a:rPr lang="en-AU" sz="1600" dirty="0"/>
+              <a:t>: k8smaster.local</a:t>
+            </a:r>
+          </a:p>
+        </p:txBody>
+      </p:sp>
+      <p:sp>
+        <p:nvSpPr>
+          <p:cNvPr id="80" name="Rectangle 79">
+            <a:extLst>
+              <a:ext uri="{FF2B5EF4-FFF2-40B4-BE49-F238E27FC236}">
+                <a16:creationId xmlns:a16="http://schemas.microsoft.com/office/drawing/2014/main" id="{3AAA8F20-0D6A-4CD5-AD2D-48C18DD8E8C1}"/>
+              </a:ext>
+            </a:extLst>
+          </p:cNvPr>
+          <p:cNvSpPr/>
+          <p:nvPr/>
+        </p:nvSpPr>
+        <p:spPr>
+          <a:xfrm>
+            <a:off x="3155072" y="2322698"/>
+            <a:ext cx="1715377" cy="400110"/>
+          </a:xfrm>
+          <a:prstGeom prst="rect">
+            <a:avLst/>
+          </a:prstGeom>
+        </p:spPr>
+        <p:txBody>
+          <a:bodyPr wrap="square">
+            <a:noAutofit/>
+          </a:bodyPr>
+          <a:lstStyle/>
+          <a:p>
+            <a:pPr algn="ctr"/>
+            <a:r>
+              <a:rPr lang="en-AU" b="1" dirty="0"/>
+              <a:t>Network Router</a:t>
+            </a:r>
+          </a:p>
+        </p:txBody>
+      </p:sp>
+      <p:pic>
+        <p:nvPicPr>
+          <p:cNvPr id="120" name="Picture 4" descr="Image result for wifi">
+            <a:extLst>
+              <a:ext uri="{FF2B5EF4-FFF2-40B4-BE49-F238E27FC236}">
+                <a16:creationId xmlns:a16="http://schemas.microsoft.com/office/drawing/2014/main" id="{9591C134-03F8-4B6E-AD04-7EB71F626C0C}"/>
+              </a:ext>
+            </a:extLst>
+          </p:cNvPr>
+          <p:cNvPicPr>
+            <a:picLocks noChangeAspect="1" noChangeArrowheads="1"/>
+          </p:cNvPicPr>
+          <p:nvPr/>
+        </p:nvPicPr>
+        <p:blipFill rotWithShape="1">
+          <a:blip r:embed="rId6">
+            <a:extLst>
+              <a:ext uri="{28A0092B-C50C-407E-A947-70E740481C1C}">
+                <a14:useLocalDpi xmlns:a14="http://schemas.microsoft.com/office/drawing/2010/main" val="0"/>
+              </a:ext>
+            </a:extLst>
+          </a:blip>
+          <a:srcRect l="9224" t="17121" r="9255" b="17036"/>
+          <a:stretch/>
+        </p:blipFill>
+        <p:spPr bwMode="auto">
+          <a:xfrm rot="5400000" flipV="1">
+            <a:off x="4789245" y="2818806"/>
+            <a:ext cx="741574" cy="598962"/>
+          </a:xfrm>
+          <a:prstGeom prst="rect">
+            <a:avLst/>
+          </a:prstGeom>
+          <a:noFill/>
+          <a:extLst>
+            <a:ext uri="{909E8E84-426E-40DD-AFC4-6F175D3DCCD1}">
+              <a14:hiddenFill xmlns:a14="http://schemas.microsoft.com/office/drawing/2010/main">
+                <a:solidFill>
+                  <a:srgbClr val="FFFFFF"/>
+                </a:solidFill>
+              </a14:hiddenFill>
+            </a:ext>
+          </a:extLst>
+        </p:spPr>
+      </p:pic>
+    </p:spTree>
+    <p:extLst>
+      <p:ext uri="{BB962C8B-B14F-4D97-AF65-F5344CB8AC3E}">
+        <p14:creationId xmlns:p14="http://schemas.microsoft.com/office/powerpoint/2010/main" val="3018466222"/>
+      </p:ext>
+    </p:extLst>
+  </p:cSld>
+  <p:clrMapOvr>
+    <a:masterClrMapping/>
+  </p:clrMapOvr>
+</p:sld>
+</file>
+
 <file path=ppt/theme/theme1.xml><?xml version="1.0" encoding="utf-8"?>
 <a:theme xmlns:a="http://schemas.openxmlformats.org/drawingml/2006/main" name="Office Theme">
   <a:themeElements>

--- a/Resources/network.pptx
+++ b/Resources/network.pptx
@@ -8,6 +8,7 @@
     <p:sldId id="256" r:id="rId2"/>
     <p:sldId id="257" r:id="rId3"/>
     <p:sldId id="258" r:id="rId4"/>
+    <p:sldId id="259" r:id="rId5"/>
   </p:sldIdLst>
   <p:sldSz cx="12192000" cy="6858000"/>
   <p:notesSz cx="6858000" cy="9144000"/>
@@ -5152,6 +5153,800 @@
 </p:sld>
 </file>
 
+<file path=ppt/slides/slide4.xml><?xml version="1.0" encoding="utf-8"?>
+<p:sld xmlns:a="http://schemas.openxmlformats.org/drawingml/2006/main" xmlns:r="http://schemas.openxmlformats.org/officeDocument/2006/relationships" xmlns:p="http://schemas.openxmlformats.org/presentationml/2006/main">
+  <p:cSld>
+    <p:spTree>
+      <p:nvGrpSpPr>
+        <p:cNvPr id="1" name=""/>
+        <p:cNvGrpSpPr/>
+        <p:nvPr/>
+      </p:nvGrpSpPr>
+      <p:grpSpPr>
+        <a:xfrm>
+          <a:off x="0" y="0"/>
+          <a:ext cx="0" cy="0"/>
+          <a:chOff x="0" y="0"/>
+          <a:chExt cx="0" cy="0"/>
+        </a:xfrm>
+      </p:grpSpPr>
+      <p:graphicFrame>
+        <p:nvGraphicFramePr>
+          <p:cNvPr id="2" name="Table 2">
+            <a:extLst>
+              <a:ext uri="{FF2B5EF4-FFF2-40B4-BE49-F238E27FC236}">
+                <a16:creationId xmlns:a16="http://schemas.microsoft.com/office/drawing/2014/main" id="{079524B5-4E83-46E6-9A15-DF2D6D74A2B6}"/>
+              </a:ext>
+            </a:extLst>
+          </p:cNvPr>
+          <p:cNvGraphicFramePr>
+            <a:graphicFrameLocks noGrp="1"/>
+          </p:cNvGraphicFramePr>
+          <p:nvPr>
+            <p:extLst>
+              <p:ext uri="{D42A27DB-BD31-4B8C-83A1-F6EECF244321}">
+                <p14:modId xmlns:p14="http://schemas.microsoft.com/office/powerpoint/2010/main" val="192586759"/>
+              </p:ext>
+            </p:extLst>
+          </p:nvPr>
+        </p:nvGraphicFramePr>
+        <p:xfrm>
+          <a:off x="2718937" y="46996"/>
+          <a:ext cx="8128000" cy="6764008"/>
+        </p:xfrm>
+        <a:graphic>
+          <a:graphicData uri="http://schemas.openxmlformats.org/drawingml/2006/table">
+            <a:tbl>
+              <a:tblPr firstRow="1" bandRow="1">
+                <a:tableStyleId>{5C22544A-7EE6-4342-B048-85BDC9FD1C3A}</a:tableStyleId>
+              </a:tblPr>
+              <a:tblGrid>
+                <a:gridCol w="8128000">
+                  <a:extLst>
+                    <a:ext uri="{9D8B030D-6E8A-4147-A177-3AD203B41FA5}">
+                      <a16:colId xmlns:a16="http://schemas.microsoft.com/office/drawing/2014/main" val="2610190059"/>
+                    </a:ext>
+                  </a:extLst>
+                </a:gridCol>
+              </a:tblGrid>
+              <a:tr h="370840">
+                <a:tc>
+                  <a:txBody>
+                    <a:bodyPr/>
+                    <a:lstStyle/>
+                    <a:p>
+                      <a:r>
+                        <a:rPr lang="en-AU" dirty="0"/>
+                        <a:t>Kubernetes Persistent Storage Claim Mapped to Pod</a:t>
+                      </a:r>
+                    </a:p>
+                  </a:txBody>
+                  <a:tcPr/>
+                </a:tc>
+                <a:extLst>
+                  <a:ext uri="{0D108BD9-81ED-4DB2-BD59-A6C34878D82A}">
+                    <a16:rowId xmlns:a16="http://schemas.microsoft.com/office/drawing/2014/main" val="1658070280"/>
+                  </a:ext>
+                </a:extLst>
+              </a:tr>
+              <a:tr h="370840">
+                <a:tc>
+                  <a:txBody>
+                    <a:bodyPr/>
+                    <a:lstStyle/>
+                    <a:p>
+                      <a:r>
+                        <a:rPr lang="en-AU" dirty="0"/>
+                        <a:t>Kubernetes Persistent Storage Claim</a:t>
+                      </a:r>
+                    </a:p>
+                  </a:txBody>
+                  <a:tcPr/>
+                </a:tc>
+                <a:extLst>
+                  <a:ext uri="{0D108BD9-81ED-4DB2-BD59-A6C34878D82A}">
+                    <a16:rowId xmlns:a16="http://schemas.microsoft.com/office/drawing/2014/main" val="3773527098"/>
+                  </a:ext>
+                </a:extLst>
+              </a:tr>
+              <a:tr h="370840">
+                <a:tc>
+                  <a:txBody>
+                    <a:bodyPr/>
+                    <a:lstStyle/>
+                    <a:p>
+                      <a:r>
+                        <a:rPr lang="en-AU" dirty="0"/>
+                        <a:t>Kubernetes Persistent Storage</a:t>
+                      </a:r>
+                    </a:p>
+                  </a:txBody>
+                  <a:tcPr/>
+                </a:tc>
+                <a:extLst>
+                  <a:ext uri="{0D108BD9-81ED-4DB2-BD59-A6C34878D82A}">
+                    <a16:rowId xmlns:a16="http://schemas.microsoft.com/office/drawing/2014/main" val="1600034357"/>
+                  </a:ext>
+                </a:extLst>
+              </a:tr>
+              <a:tr h="370840">
+                <a:tc>
+                  <a:txBody>
+                    <a:bodyPr/>
+                    <a:lstStyle/>
+                    <a:p>
+                      <a:r>
+                        <a:rPr lang="en-AU" dirty="0"/>
+                        <a:t>Kubernetes NFS Storage Class</a:t>
+                      </a:r>
+                    </a:p>
+                  </a:txBody>
+                  <a:tcPr/>
+                </a:tc>
+                <a:extLst>
+                  <a:ext uri="{0D108BD9-81ED-4DB2-BD59-A6C34878D82A}">
+                    <a16:rowId xmlns:a16="http://schemas.microsoft.com/office/drawing/2014/main" val="1605401685"/>
+                  </a:ext>
+                </a:extLst>
+              </a:tr>
+              <a:tr h="5280648">
+                <a:tc>
+                  <a:txBody>
+                    <a:bodyPr/>
+                    <a:lstStyle/>
+                    <a:p>
+                      <a:endParaRPr lang="en-AU" dirty="0"/>
+                    </a:p>
+                  </a:txBody>
+                  <a:tcPr/>
+                </a:tc>
+                <a:extLst>
+                  <a:ext uri="{0D108BD9-81ED-4DB2-BD59-A6C34878D82A}">
+                    <a16:rowId xmlns:a16="http://schemas.microsoft.com/office/drawing/2014/main" val="1432187398"/>
+                  </a:ext>
+                </a:extLst>
+              </a:tr>
+            </a:tbl>
+          </a:graphicData>
+        </a:graphic>
+      </p:graphicFrame>
+      <p:pic>
+        <p:nvPicPr>
+          <p:cNvPr id="17" name="Picture 16">
+            <a:extLst>
+              <a:ext uri="{FF2B5EF4-FFF2-40B4-BE49-F238E27FC236}">
+                <a16:creationId xmlns:a16="http://schemas.microsoft.com/office/drawing/2014/main" id="{7F5F8508-B406-453A-BEF1-C12A23AFF21E}"/>
+              </a:ext>
+            </a:extLst>
+          </p:cNvPr>
+          <p:cNvPicPr>
+            <a:picLocks noChangeAspect="1"/>
+          </p:cNvPicPr>
+          <p:nvPr/>
+        </p:nvPicPr>
+        <p:blipFill rotWithShape="1">
+          <a:blip r:embed="rId2"/>
+          <a:srcRect l="6508" t="9994" r="8415" b="10710"/>
+          <a:stretch/>
+        </p:blipFill>
+        <p:spPr>
+          <a:xfrm>
+            <a:off x="5340383" y="3036931"/>
+            <a:ext cx="1072973" cy="1572279"/>
+          </a:xfrm>
+          <a:prstGeom prst="rect">
+            <a:avLst/>
+          </a:prstGeom>
+        </p:spPr>
+      </p:pic>
+      <p:pic>
+        <p:nvPicPr>
+          <p:cNvPr id="18" name="Picture 17">
+            <a:extLst>
+              <a:ext uri="{FF2B5EF4-FFF2-40B4-BE49-F238E27FC236}">
+                <a16:creationId xmlns:a16="http://schemas.microsoft.com/office/drawing/2014/main" id="{3B5C0FBA-39DA-4D79-8016-6B9D936ECDE0}"/>
+              </a:ext>
+            </a:extLst>
+          </p:cNvPr>
+          <p:cNvPicPr>
+            <a:picLocks noChangeAspect="1"/>
+          </p:cNvPicPr>
+          <p:nvPr/>
+        </p:nvPicPr>
+        <p:blipFill>
+          <a:blip r:embed="rId3"/>
+          <a:stretch>
+            <a:fillRect/>
+          </a:stretch>
+        </p:blipFill>
+        <p:spPr>
+          <a:xfrm>
+            <a:off x="7038076" y="2169509"/>
+            <a:ext cx="2006870" cy="669739"/>
+          </a:xfrm>
+          <a:prstGeom prst="rect">
+            <a:avLst/>
+          </a:prstGeom>
+        </p:spPr>
+      </p:pic>
+      <p:cxnSp>
+        <p:nvCxnSpPr>
+          <p:cNvPr id="19" name="Connector: Elbow 18">
+            <a:extLst>
+              <a:ext uri="{FF2B5EF4-FFF2-40B4-BE49-F238E27FC236}">
+                <a16:creationId xmlns:a16="http://schemas.microsoft.com/office/drawing/2014/main" id="{1D3F869A-AC65-413E-97D4-F13D9B8D2C69}"/>
+              </a:ext>
+            </a:extLst>
+          </p:cNvPr>
+          <p:cNvCxnSpPr>
+            <a:cxnSpLocks/>
+            <a:stCxn id="17" idx="0"/>
+            <a:endCxn id="18" idx="1"/>
+          </p:cNvCxnSpPr>
+          <p:nvPr/>
+        </p:nvCxnSpPr>
+        <p:spPr>
+          <a:xfrm rot="5400000" flipH="1" flipV="1">
+            <a:off x="6191197" y="2190052"/>
+            <a:ext cx="532552" cy="1161206"/>
+          </a:xfrm>
+          <a:prstGeom prst="bentConnector2">
+            <a:avLst/>
+          </a:prstGeom>
+        </p:spPr>
+        <p:style>
+          <a:lnRef idx="3">
+            <a:schemeClr val="accent5"/>
+          </a:lnRef>
+          <a:fillRef idx="0">
+            <a:schemeClr val="accent5"/>
+          </a:fillRef>
+          <a:effectRef idx="2">
+            <a:schemeClr val="accent5"/>
+          </a:effectRef>
+          <a:fontRef idx="minor">
+            <a:schemeClr val="tx1"/>
+          </a:fontRef>
+        </p:style>
+      </p:cxnSp>
+      <p:pic>
+        <p:nvPicPr>
+          <p:cNvPr id="21" name="Picture 20">
+            <a:extLst>
+              <a:ext uri="{FF2B5EF4-FFF2-40B4-BE49-F238E27FC236}">
+                <a16:creationId xmlns:a16="http://schemas.microsoft.com/office/drawing/2014/main" id="{F84424BC-AAB0-4ECE-BA8B-C4D1B723ECE6}"/>
+              </a:ext>
+            </a:extLst>
+          </p:cNvPr>
+          <p:cNvPicPr>
+            <a:picLocks noChangeAspect="1"/>
+          </p:cNvPicPr>
+          <p:nvPr/>
+        </p:nvPicPr>
+        <p:blipFill rotWithShape="1">
+          <a:blip r:embed="rId2"/>
+          <a:srcRect l="6508" t="9994" r="8415" b="10710"/>
+          <a:stretch/>
+        </p:blipFill>
+        <p:spPr>
+          <a:xfrm>
+            <a:off x="7505025" y="3042914"/>
+            <a:ext cx="1072973" cy="1572279"/>
+          </a:xfrm>
+          <a:prstGeom prst="rect">
+            <a:avLst/>
+          </a:prstGeom>
+        </p:spPr>
+      </p:pic>
+      <p:cxnSp>
+        <p:nvCxnSpPr>
+          <p:cNvPr id="22" name="Straight Connector 21">
+            <a:extLst>
+              <a:ext uri="{FF2B5EF4-FFF2-40B4-BE49-F238E27FC236}">
+                <a16:creationId xmlns:a16="http://schemas.microsoft.com/office/drawing/2014/main" id="{1235AE91-848A-4B8B-82D3-BE764E9E0183}"/>
+              </a:ext>
+            </a:extLst>
+          </p:cNvPr>
+          <p:cNvCxnSpPr>
+            <a:cxnSpLocks/>
+            <a:stCxn id="21" idx="0"/>
+            <a:endCxn id="18" idx="2"/>
+          </p:cNvCxnSpPr>
+          <p:nvPr/>
+        </p:nvCxnSpPr>
+        <p:spPr>
+          <a:xfrm flipH="1" flipV="1">
+            <a:off x="8041511" y="2839248"/>
+            <a:ext cx="1" cy="203666"/>
+          </a:xfrm>
+          <a:prstGeom prst="line">
+            <a:avLst/>
+          </a:prstGeom>
+        </p:spPr>
+        <p:style>
+          <a:lnRef idx="3">
+            <a:schemeClr val="accent5"/>
+          </a:lnRef>
+          <a:fillRef idx="0">
+            <a:schemeClr val="accent5"/>
+          </a:fillRef>
+          <a:effectRef idx="2">
+            <a:schemeClr val="accent5"/>
+          </a:effectRef>
+          <a:fontRef idx="minor">
+            <a:schemeClr val="tx1"/>
+          </a:fontRef>
+        </p:style>
+      </p:cxnSp>
+      <p:pic>
+        <p:nvPicPr>
+          <p:cNvPr id="23" name="Picture 22">
+            <a:extLst>
+              <a:ext uri="{FF2B5EF4-FFF2-40B4-BE49-F238E27FC236}">
+                <a16:creationId xmlns:a16="http://schemas.microsoft.com/office/drawing/2014/main" id="{CC58ACDD-F69D-4684-99F8-EAB9AA3FF81A}"/>
+              </a:ext>
+            </a:extLst>
+          </p:cNvPr>
+          <p:cNvPicPr>
+            <a:picLocks noChangeAspect="1"/>
+          </p:cNvPicPr>
+          <p:nvPr/>
+        </p:nvPicPr>
+        <p:blipFill>
+          <a:blip r:embed="rId4"/>
+          <a:stretch>
+            <a:fillRect/>
+          </a:stretch>
+        </p:blipFill>
+        <p:spPr>
+          <a:xfrm>
+            <a:off x="3018675" y="3490548"/>
+            <a:ext cx="1403387" cy="669739"/>
+          </a:xfrm>
+          <a:prstGeom prst="rect">
+            <a:avLst/>
+          </a:prstGeom>
+        </p:spPr>
+      </p:pic>
+      <p:pic>
+        <p:nvPicPr>
+          <p:cNvPr id="24" name="Picture 23">
+            <a:extLst>
+              <a:ext uri="{FF2B5EF4-FFF2-40B4-BE49-F238E27FC236}">
+                <a16:creationId xmlns:a16="http://schemas.microsoft.com/office/drawing/2014/main" id="{3502A1AB-A415-478B-ACE2-3C173C4D2D44}"/>
+              </a:ext>
+            </a:extLst>
+          </p:cNvPr>
+          <p:cNvPicPr>
+            <a:picLocks noChangeAspect="1"/>
+          </p:cNvPicPr>
+          <p:nvPr/>
+        </p:nvPicPr>
+        <p:blipFill>
+          <a:blip r:embed="rId5"/>
+          <a:stretch>
+            <a:fillRect/>
+          </a:stretch>
+        </p:blipFill>
+        <p:spPr>
+          <a:xfrm>
+            <a:off x="3120714" y="5280907"/>
+            <a:ext cx="1199305" cy="1164232"/>
+          </a:xfrm>
+          <a:prstGeom prst="rect">
+            <a:avLst/>
+          </a:prstGeom>
+        </p:spPr>
+      </p:pic>
+      <p:pic>
+        <p:nvPicPr>
+          <p:cNvPr id="25" name="Picture 4" descr="Image result for wifi">
+            <a:extLst>
+              <a:ext uri="{FF2B5EF4-FFF2-40B4-BE49-F238E27FC236}">
+                <a16:creationId xmlns:a16="http://schemas.microsoft.com/office/drawing/2014/main" id="{EDFB0CB0-3482-4A2F-9C89-D297F844BDED}"/>
+              </a:ext>
+            </a:extLst>
+          </p:cNvPr>
+          <p:cNvPicPr>
+            <a:picLocks noChangeAspect="1" noChangeArrowheads="1"/>
+          </p:cNvPicPr>
+          <p:nvPr/>
+        </p:nvPicPr>
+        <p:blipFill rotWithShape="1">
+          <a:blip r:embed="rId6">
+            <a:extLst>
+              <a:ext uri="{28A0092B-C50C-407E-A947-70E740481C1C}">
+                <a14:useLocalDpi xmlns:a14="http://schemas.microsoft.com/office/drawing/2010/main" val="0"/>
+              </a:ext>
+            </a:extLst>
+          </a:blip>
+          <a:srcRect l="9224" t="17121" r="9255" b="17036"/>
+          <a:stretch/>
+        </p:blipFill>
+        <p:spPr bwMode="auto">
+          <a:xfrm rot="10800000" flipV="1">
+            <a:off x="3349579" y="4421116"/>
+            <a:ext cx="741574" cy="598962"/>
+          </a:xfrm>
+          <a:prstGeom prst="rect">
+            <a:avLst/>
+          </a:prstGeom>
+          <a:noFill/>
+          <a:extLst>
+            <a:ext uri="{909E8E84-426E-40DD-AFC4-6F175D3DCCD1}">
+              <a14:hiddenFill xmlns:a14="http://schemas.microsoft.com/office/drawing/2010/main">
+                <a:solidFill>
+                  <a:srgbClr val="FFFFFF"/>
+                </a:solidFill>
+              </a14:hiddenFill>
+            </a:ext>
+          </a:extLst>
+        </p:spPr>
+      </p:pic>
+      <p:sp>
+        <p:nvSpPr>
+          <p:cNvPr id="26" name="TextBox 25">
+            <a:extLst>
+              <a:ext uri="{FF2B5EF4-FFF2-40B4-BE49-F238E27FC236}">
+                <a16:creationId xmlns:a16="http://schemas.microsoft.com/office/drawing/2014/main" id="{3FA0AF71-C055-41B2-9654-DE2661101028}"/>
+              </a:ext>
+            </a:extLst>
+          </p:cNvPr>
+          <p:cNvSpPr txBox="1"/>
+          <p:nvPr/>
+        </p:nvSpPr>
+        <p:spPr>
+          <a:xfrm>
+            <a:off x="7191278" y="1781319"/>
+            <a:ext cx="1700466" cy="369332"/>
+          </a:xfrm>
+          <a:prstGeom prst="rect">
+            <a:avLst/>
+          </a:prstGeom>
+          <a:noFill/>
+        </p:spPr>
+        <p:txBody>
+          <a:bodyPr wrap="none" rtlCol="0">
+            <a:spAutoFit/>
+          </a:bodyPr>
+          <a:lstStyle/>
+          <a:p>
+            <a:pPr algn="ctr"/>
+            <a:r>
+              <a:rPr lang="en-AU" b="1" dirty="0"/>
+              <a:t>Network Switch</a:t>
+            </a:r>
+          </a:p>
+        </p:txBody>
+      </p:sp>
+      <p:sp>
+        <p:nvSpPr>
+          <p:cNvPr id="27" name="TextBox 26">
+            <a:extLst>
+              <a:ext uri="{FF2B5EF4-FFF2-40B4-BE49-F238E27FC236}">
+                <a16:creationId xmlns:a16="http://schemas.microsoft.com/office/drawing/2014/main" id="{B59A3338-5C4C-4D7F-AD97-D689A0AEA83A}"/>
+              </a:ext>
+            </a:extLst>
+          </p:cNvPr>
+          <p:cNvSpPr txBox="1"/>
+          <p:nvPr/>
+        </p:nvSpPr>
+        <p:spPr>
+          <a:xfrm>
+            <a:off x="5349846" y="4783457"/>
+            <a:ext cx="2006869" cy="1815882"/>
+          </a:xfrm>
+          <a:prstGeom prst="rect">
+            <a:avLst/>
+          </a:prstGeom>
+          <a:noFill/>
+          <a:ln>
+            <a:solidFill>
+              <a:schemeClr val="accent5"/>
+            </a:solidFill>
+          </a:ln>
+        </p:spPr>
+        <p:txBody>
+          <a:bodyPr wrap="square" rtlCol="0">
+            <a:spAutoFit/>
+          </a:bodyPr>
+          <a:lstStyle/>
+          <a:p>
+            <a:r>
+              <a:rPr lang="en-AU" sz="1600" b="1" dirty="0"/>
+              <a:t>Host</a:t>
+            </a:r>
+            <a:r>
+              <a:rPr lang="en-AU" sz="1600" dirty="0"/>
+              <a:t>: k8smaster.local</a:t>
+            </a:r>
+          </a:p>
+          <a:p>
+            <a:r>
+              <a:rPr lang="en-AU" sz="1600" b="1" dirty="0"/>
+              <a:t>IP</a:t>
+            </a:r>
+            <a:r>
+              <a:rPr lang="en-AU" sz="1600" dirty="0"/>
+              <a:t>: 192.168.100.1</a:t>
+            </a:r>
+          </a:p>
+          <a:p>
+            <a:r>
+              <a:rPr lang="en-AU" sz="1600" b="1" dirty="0"/>
+              <a:t>Roles:</a:t>
+            </a:r>
+          </a:p>
+          <a:p>
+            <a:r>
+              <a:rPr lang="en-AU" sz="1600" dirty="0"/>
+              <a:t>Kubernetes Master</a:t>
+            </a:r>
+          </a:p>
+          <a:p>
+            <a:r>
+              <a:rPr lang="en-AU" sz="1600" dirty="0"/>
+              <a:t>Ethernet/</a:t>
+            </a:r>
+            <a:r>
+              <a:rPr lang="en-AU" sz="1600" dirty="0" err="1"/>
+              <a:t>WiFi</a:t>
+            </a:r>
+            <a:r>
+              <a:rPr lang="en-AU" sz="1600" dirty="0"/>
+              <a:t> Router</a:t>
+            </a:r>
+          </a:p>
+          <a:p>
+            <a:r>
+              <a:rPr lang="en-AU" sz="1600" dirty="0"/>
+              <a:t>DHCP Server</a:t>
+            </a:r>
+          </a:p>
+          <a:p>
+            <a:endParaRPr lang="en-AU" sz="1600" dirty="0"/>
+          </a:p>
+        </p:txBody>
+      </p:sp>
+      <p:sp>
+        <p:nvSpPr>
+          <p:cNvPr id="28" name="TextBox 27">
+            <a:extLst>
+              <a:ext uri="{FF2B5EF4-FFF2-40B4-BE49-F238E27FC236}">
+                <a16:creationId xmlns:a16="http://schemas.microsoft.com/office/drawing/2014/main" id="{D29EF293-2EA1-45CB-9ECB-0EFF5863819E}"/>
+              </a:ext>
+            </a:extLst>
+          </p:cNvPr>
+          <p:cNvSpPr txBox="1"/>
+          <p:nvPr/>
+        </p:nvSpPr>
+        <p:spPr>
+          <a:xfrm>
+            <a:off x="7493122" y="4783457"/>
+            <a:ext cx="2092156" cy="1323439"/>
+          </a:xfrm>
+          <a:prstGeom prst="rect">
+            <a:avLst/>
+          </a:prstGeom>
+          <a:noFill/>
+          <a:ln>
+            <a:solidFill>
+              <a:schemeClr val="accent5"/>
+            </a:solidFill>
+          </a:ln>
+        </p:spPr>
+        <p:txBody>
+          <a:bodyPr wrap="square" rtlCol="0">
+            <a:spAutoFit/>
+          </a:bodyPr>
+          <a:lstStyle/>
+          <a:p>
+            <a:r>
+              <a:rPr lang="en-AU" sz="1600" b="1" dirty="0"/>
+              <a:t>Host</a:t>
+            </a:r>
+            <a:r>
+              <a:rPr lang="en-AU" sz="1600" dirty="0"/>
+              <a:t>: k8snode1.local</a:t>
+            </a:r>
+          </a:p>
+          <a:p>
+            <a:r>
+              <a:rPr lang="en-AU" sz="1600" b="1" dirty="0"/>
+              <a:t>IP</a:t>
+            </a:r>
+            <a:r>
+              <a:rPr lang="en-AU" sz="1600" dirty="0"/>
+              <a:t>: DHCP Assigned</a:t>
+            </a:r>
+          </a:p>
+          <a:p>
+            <a:r>
+              <a:rPr lang="en-AU" sz="1600" b="1" dirty="0"/>
+              <a:t>Roles:</a:t>
+            </a:r>
+          </a:p>
+          <a:p>
+            <a:r>
+              <a:rPr lang="en-AU" sz="1600" dirty="0"/>
+              <a:t>Kubernetes Node</a:t>
+            </a:r>
+          </a:p>
+          <a:p>
+            <a:r>
+              <a:rPr lang="en-AU" sz="1600" b="1" dirty="0"/>
+              <a:t>NFS Server</a:t>
+            </a:r>
+          </a:p>
+        </p:txBody>
+      </p:sp>
+      <p:sp>
+        <p:nvSpPr>
+          <p:cNvPr id="30" name="Rectangle 29">
+            <a:extLst>
+              <a:ext uri="{FF2B5EF4-FFF2-40B4-BE49-F238E27FC236}">
+                <a16:creationId xmlns:a16="http://schemas.microsoft.com/office/drawing/2014/main" id="{FB24488E-8D6C-4649-8A77-CC8895A9B5F4}"/>
+              </a:ext>
+            </a:extLst>
+          </p:cNvPr>
+          <p:cNvSpPr/>
+          <p:nvPr/>
+        </p:nvSpPr>
+        <p:spPr>
+          <a:xfrm>
+            <a:off x="2873019" y="3036931"/>
+            <a:ext cx="1715377" cy="400110"/>
+          </a:xfrm>
+          <a:prstGeom prst="rect">
+            <a:avLst/>
+          </a:prstGeom>
+        </p:spPr>
+        <p:txBody>
+          <a:bodyPr wrap="square">
+            <a:noAutofit/>
+          </a:bodyPr>
+          <a:lstStyle/>
+          <a:p>
+            <a:pPr algn="ctr"/>
+            <a:r>
+              <a:rPr lang="en-AU" b="1" dirty="0"/>
+              <a:t>Network Router</a:t>
+            </a:r>
+          </a:p>
+        </p:txBody>
+      </p:sp>
+      <p:pic>
+        <p:nvPicPr>
+          <p:cNvPr id="31" name="Picture 4" descr="Image result for wifi">
+            <a:extLst>
+              <a:ext uri="{FF2B5EF4-FFF2-40B4-BE49-F238E27FC236}">
+                <a16:creationId xmlns:a16="http://schemas.microsoft.com/office/drawing/2014/main" id="{A1CEEC6B-07AD-4A8B-B965-406A20BF9C22}"/>
+              </a:ext>
+            </a:extLst>
+          </p:cNvPr>
+          <p:cNvPicPr>
+            <a:picLocks noChangeAspect="1" noChangeArrowheads="1"/>
+          </p:cNvPicPr>
+          <p:nvPr/>
+        </p:nvPicPr>
+        <p:blipFill rotWithShape="1">
+          <a:blip r:embed="rId6">
+            <a:extLst>
+              <a:ext uri="{28A0092B-C50C-407E-A947-70E740481C1C}">
+                <a14:useLocalDpi xmlns:a14="http://schemas.microsoft.com/office/drawing/2010/main" val="0"/>
+              </a:ext>
+            </a:extLst>
+          </a:blip>
+          <a:srcRect l="9224" t="17121" r="9255" b="17036"/>
+          <a:stretch/>
+        </p:blipFill>
+        <p:spPr bwMode="auto">
+          <a:xfrm rot="5400000" flipV="1">
+            <a:off x="4507192" y="3533039"/>
+            <a:ext cx="741574" cy="598962"/>
+          </a:xfrm>
+          <a:prstGeom prst="rect">
+            <a:avLst/>
+          </a:prstGeom>
+          <a:noFill/>
+          <a:extLst>
+            <a:ext uri="{909E8E84-426E-40DD-AFC4-6F175D3DCCD1}">
+              <a14:hiddenFill xmlns:a14="http://schemas.microsoft.com/office/drawing/2010/main">
+                <a:solidFill>
+                  <a:srgbClr val="FFFFFF"/>
+                </a:solidFill>
+              </a14:hiddenFill>
+            </a:ext>
+          </a:extLst>
+        </p:spPr>
+      </p:pic>
+      <p:sp>
+        <p:nvSpPr>
+          <p:cNvPr id="6" name="TextBox 5">
+            <a:extLst>
+              <a:ext uri="{FF2B5EF4-FFF2-40B4-BE49-F238E27FC236}">
+                <a16:creationId xmlns:a16="http://schemas.microsoft.com/office/drawing/2014/main" id="{6F19CAFE-6D9A-415F-9741-015AC334B581}"/>
+              </a:ext>
+            </a:extLst>
+          </p:cNvPr>
+          <p:cNvSpPr txBox="1"/>
+          <p:nvPr/>
+        </p:nvSpPr>
+        <p:spPr>
+          <a:xfrm>
+            <a:off x="8691480" y="3013495"/>
+            <a:ext cx="1213922" cy="369332"/>
+          </a:xfrm>
+          <a:prstGeom prst="rect">
+            <a:avLst/>
+          </a:prstGeom>
+          <a:noFill/>
+        </p:spPr>
+        <p:txBody>
+          <a:bodyPr wrap="none" rtlCol="0">
+            <a:spAutoFit/>
+          </a:bodyPr>
+          <a:lstStyle/>
+          <a:p>
+            <a:r>
+              <a:rPr lang="en-AU" b="1" dirty="0"/>
+              <a:t>NFS Server</a:t>
+            </a:r>
+          </a:p>
+        </p:txBody>
+      </p:sp>
+      <p:pic>
+        <p:nvPicPr>
+          <p:cNvPr id="8" name="Picture 7" descr="A picture containing indoor, sitting, table, cup&#10;&#10;Description automatically generated">
+            <a:extLst>
+              <a:ext uri="{FF2B5EF4-FFF2-40B4-BE49-F238E27FC236}">
+                <a16:creationId xmlns:a16="http://schemas.microsoft.com/office/drawing/2014/main" id="{27CBA2AC-604A-4022-AAF1-1600933D7BBE}"/>
+              </a:ext>
+            </a:extLst>
+          </p:cNvPr>
+          <p:cNvPicPr>
+            <a:picLocks noChangeAspect="1"/>
+          </p:cNvPicPr>
+          <p:nvPr/>
+        </p:nvPicPr>
+        <p:blipFill>
+          <a:blip r:embed="rId7">
+            <a:extLst>
+              <a:ext uri="{28A0092B-C50C-407E-A947-70E740481C1C}">
+                <a14:useLocalDpi xmlns:a14="http://schemas.microsoft.com/office/drawing/2010/main" val="0"/>
+              </a:ext>
+              <a:ext uri="{837473B0-CC2E-450A-ABE3-18F120FF3D39}">
+                <a1611:picAttrSrcUrl xmlns:a1611="http://schemas.microsoft.com/office/drawing/2016/11/main" r:id="rId8"/>
+              </a:ext>
+            </a:extLst>
+          </a:blip>
+          <a:stretch>
+            <a:fillRect/>
+          </a:stretch>
+        </p:blipFill>
+        <p:spPr>
+          <a:xfrm>
+            <a:off x="8692743" y="3382827"/>
+            <a:ext cx="961164" cy="1126687"/>
+          </a:xfrm>
+          <a:prstGeom prst="rect">
+            <a:avLst/>
+          </a:prstGeom>
+        </p:spPr>
+      </p:pic>
+    </p:spTree>
+    <p:extLst>
+      <p:ext uri="{BB962C8B-B14F-4D97-AF65-F5344CB8AC3E}">
+        <p14:creationId xmlns:p14="http://schemas.microsoft.com/office/powerpoint/2010/main" val="1282028478"/>
+      </p:ext>
+    </p:extLst>
+  </p:cSld>
+  <p:clrMapOvr>
+    <a:masterClrMapping/>
+  </p:clrMapOvr>
+</p:sld>
+</file>
+
 <file path=ppt/theme/theme1.xml><?xml version="1.0" encoding="utf-8"?>
 <a:theme xmlns:a="http://schemas.openxmlformats.org/drawingml/2006/main" name="Office Theme">
   <a:themeElements>

--- a/Resources/network.pptx
+++ b/Resources/network.pptx
@@ -5185,7 +5185,7 @@
           <p:nvPr>
             <p:extLst>
               <p:ext uri="{D42A27DB-BD31-4B8C-83A1-F6EECF244321}">
-                <p14:modId xmlns:p14="http://schemas.microsoft.com/office/powerpoint/2010/main" val="192586759"/>
+                <p14:modId xmlns:p14="http://schemas.microsoft.com/office/powerpoint/2010/main" val="200151532"/>
               </p:ext>
             </p:extLst>
           </p:nvPr>
@@ -5198,7 +5198,7 @@
           <a:graphicData uri="http://schemas.openxmlformats.org/drawingml/2006/table">
             <a:tbl>
               <a:tblPr firstRow="1" bandRow="1">
-                <a:tableStyleId>{5C22544A-7EE6-4342-B048-85BDC9FD1C3A}</a:tableStyleId>
+                <a:tableStyleId>{5940675A-B579-460E-94D1-54222C63F5DA}</a:tableStyleId>
               </a:tblPr>
               <a:tblGrid>
                 <a:gridCol w="8128000">

--- a/Resources/network.pptx
+++ b/Resources/network.pptx
@@ -275,7 +275,7 @@
           <a:p>
             <a:fld id="{A49C4678-CB09-40EB-866E-40ABA59F9E18}" type="datetimeFigureOut">
               <a:rPr lang="en-AU" smtClean="0"/>
-              <a:t>16/10/2019</a:t>
+              <a:t>21/10/2019</a:t>
             </a:fld>
             <a:endParaRPr lang="en-AU"/>
           </a:p>
@@ -475,7 +475,7 @@
           <a:p>
             <a:fld id="{A49C4678-CB09-40EB-866E-40ABA59F9E18}" type="datetimeFigureOut">
               <a:rPr lang="en-AU" smtClean="0"/>
-              <a:t>16/10/2019</a:t>
+              <a:t>21/10/2019</a:t>
             </a:fld>
             <a:endParaRPr lang="en-AU"/>
           </a:p>
@@ -685,7 +685,7 @@
           <a:p>
             <a:fld id="{A49C4678-CB09-40EB-866E-40ABA59F9E18}" type="datetimeFigureOut">
               <a:rPr lang="en-AU" smtClean="0"/>
-              <a:t>16/10/2019</a:t>
+              <a:t>21/10/2019</a:t>
             </a:fld>
             <a:endParaRPr lang="en-AU"/>
           </a:p>
@@ -885,7 +885,7 @@
           <a:p>
             <a:fld id="{A49C4678-CB09-40EB-866E-40ABA59F9E18}" type="datetimeFigureOut">
               <a:rPr lang="en-AU" smtClean="0"/>
-              <a:t>16/10/2019</a:t>
+              <a:t>21/10/2019</a:t>
             </a:fld>
             <a:endParaRPr lang="en-AU"/>
           </a:p>
@@ -1161,7 +1161,7 @@
           <a:p>
             <a:fld id="{A49C4678-CB09-40EB-866E-40ABA59F9E18}" type="datetimeFigureOut">
               <a:rPr lang="en-AU" smtClean="0"/>
-              <a:t>16/10/2019</a:t>
+              <a:t>21/10/2019</a:t>
             </a:fld>
             <a:endParaRPr lang="en-AU"/>
           </a:p>
@@ -1429,7 +1429,7 @@
           <a:p>
             <a:fld id="{A49C4678-CB09-40EB-866E-40ABA59F9E18}" type="datetimeFigureOut">
               <a:rPr lang="en-AU" smtClean="0"/>
-              <a:t>16/10/2019</a:t>
+              <a:t>21/10/2019</a:t>
             </a:fld>
             <a:endParaRPr lang="en-AU"/>
           </a:p>
@@ -1844,7 +1844,7 @@
           <a:p>
             <a:fld id="{A49C4678-CB09-40EB-866E-40ABA59F9E18}" type="datetimeFigureOut">
               <a:rPr lang="en-AU" smtClean="0"/>
-              <a:t>16/10/2019</a:t>
+              <a:t>21/10/2019</a:t>
             </a:fld>
             <a:endParaRPr lang="en-AU"/>
           </a:p>
@@ -1986,7 +1986,7 @@
           <a:p>
             <a:fld id="{A49C4678-CB09-40EB-866E-40ABA59F9E18}" type="datetimeFigureOut">
               <a:rPr lang="en-AU" smtClean="0"/>
-              <a:t>16/10/2019</a:t>
+              <a:t>21/10/2019</a:t>
             </a:fld>
             <a:endParaRPr lang="en-AU"/>
           </a:p>
@@ -2099,7 +2099,7 @@
           <a:p>
             <a:fld id="{A49C4678-CB09-40EB-866E-40ABA59F9E18}" type="datetimeFigureOut">
               <a:rPr lang="en-AU" smtClean="0"/>
-              <a:t>16/10/2019</a:t>
+              <a:t>21/10/2019</a:t>
             </a:fld>
             <a:endParaRPr lang="en-AU"/>
           </a:p>
@@ -2412,7 +2412,7 @@
           <a:p>
             <a:fld id="{A49C4678-CB09-40EB-866E-40ABA59F9E18}" type="datetimeFigureOut">
               <a:rPr lang="en-AU" smtClean="0"/>
-              <a:t>16/10/2019</a:t>
+              <a:t>21/10/2019</a:t>
             </a:fld>
             <a:endParaRPr lang="en-AU"/>
           </a:p>
@@ -2701,7 +2701,7 @@
           <a:p>
             <a:fld id="{A49C4678-CB09-40EB-866E-40ABA59F9E18}" type="datetimeFigureOut">
               <a:rPr lang="en-AU" smtClean="0"/>
-              <a:t>16/10/2019</a:t>
+              <a:t>21/10/2019</a:t>
             </a:fld>
             <a:endParaRPr lang="en-AU"/>
           </a:p>
@@ -2944,7 +2944,7 @@
           <a:p>
             <a:fld id="{A49C4678-CB09-40EB-866E-40ABA59F9E18}" type="datetimeFigureOut">
               <a:rPr lang="en-AU" smtClean="0"/>
-              <a:t>16/10/2019</a:t>
+              <a:t>21/10/2019</a:t>
             </a:fld>
             <a:endParaRPr lang="en-AU"/>
           </a:p>
@@ -4617,13 +4617,8 @@
             </a:r>
             <a:r>
               <a:rPr lang="en-AU" sz="1600" dirty="0"/>
-              <a:t>: </a:t>
-            </a:r>
-            <a:r>
-              <a:rPr lang="en-AU" sz="1600" dirty="0" err="1"/>
-              <a:t>raspberrypi.local</a:t>
-            </a:r>
-            <a:endParaRPr lang="en-AU" sz="1600" dirty="0"/>
+              <a:t>: k8snode1.local</a:t>
+            </a:r>
           </a:p>
         </p:txBody>
       </p:sp>
@@ -4818,45 +4813,6 @@
             <a:ext cx="532552" cy="1161206"/>
           </a:xfrm>
           <a:prstGeom prst="bentConnector2">
-            <a:avLst/>
-          </a:prstGeom>
-        </p:spPr>
-        <p:style>
-          <a:lnRef idx="3">
-            <a:schemeClr val="accent5"/>
-          </a:lnRef>
-          <a:fillRef idx="0">
-            <a:schemeClr val="accent5"/>
-          </a:fillRef>
-          <a:effectRef idx="2">
-            <a:schemeClr val="accent5"/>
-          </a:effectRef>
-          <a:fontRef idx="minor">
-            <a:schemeClr val="tx1"/>
-          </a:fontRef>
-        </p:style>
-      </p:cxnSp>
-      <p:cxnSp>
-        <p:nvCxnSpPr>
-          <p:cNvPr id="29" name="Straight Connector 28">
-            <a:extLst>
-              <a:ext uri="{FF2B5EF4-FFF2-40B4-BE49-F238E27FC236}">
-                <a16:creationId xmlns:a16="http://schemas.microsoft.com/office/drawing/2014/main" id="{4D5B1C10-9597-4C94-8AF2-B38FC39A1CD9}"/>
-              </a:ext>
-            </a:extLst>
-          </p:cNvPr>
-          <p:cNvCxnSpPr>
-            <a:cxnSpLocks/>
-            <a:endCxn id="51" idx="2"/>
-          </p:cNvCxnSpPr>
-          <p:nvPr/>
-        </p:nvCxnSpPr>
-        <p:spPr>
-          <a:xfrm flipH="1" flipV="1">
-            <a:off x="8323564" y="2125015"/>
-            <a:ext cx="1" cy="203666"/>
-          </a:xfrm>
-          <a:prstGeom prst="line">
             <a:avLst/>
           </a:prstGeom>
         </p:spPr>

--- a/Resources/network.pptx
+++ b/Resources/network.pptx
@@ -3761,7 +3761,7 @@
         <p:spPr>
           <a:xfrm>
             <a:off x="5631899" y="4069224"/>
-            <a:ext cx="2006869" cy="1569660"/>
+            <a:ext cx="2006869" cy="1815882"/>
           </a:xfrm>
           <a:prstGeom prst="rect">
             <a:avLst/>
@@ -3830,6 +3830,12 @@
               <a:t>DHCP Server</a:t>
             </a:r>
           </a:p>
+          <a:p>
+            <a:r>
+              <a:rPr lang="en-AU" sz="1600" dirty="0"/>
+              <a:t>NFS Server</a:t>
+            </a:r>
+          </a:p>
         </p:txBody>
       </p:sp>
       <p:sp>
@@ -3847,7 +3853,7 @@
         <p:spPr>
           <a:xfrm>
             <a:off x="7775175" y="4069224"/>
-            <a:ext cx="2006869" cy="1323439"/>
+            <a:ext cx="2006869" cy="1077218"/>
           </a:xfrm>
           <a:prstGeom prst="rect">
             <a:avLst/>
@@ -3894,12 +3900,6 @@
             <a:r>
               <a:rPr lang="en-AU" sz="1600" dirty="0"/>
               <a:t>Kubernetes Node</a:t>
-            </a:r>
-          </a:p>
-          <a:p>
-            <a:r>
-              <a:rPr lang="en-AU" sz="1600" dirty="0"/>
-              <a:t>NFS Server</a:t>
             </a:r>
           </a:p>
         </p:txBody>
@@ -5367,75 +5367,6 @@
       </p:cxnSp>
       <p:pic>
         <p:nvPicPr>
-          <p:cNvPr id="21" name="Picture 20">
-            <a:extLst>
-              <a:ext uri="{FF2B5EF4-FFF2-40B4-BE49-F238E27FC236}">
-                <a16:creationId xmlns:a16="http://schemas.microsoft.com/office/drawing/2014/main" id="{F84424BC-AAB0-4ECE-BA8B-C4D1B723ECE6}"/>
-              </a:ext>
-            </a:extLst>
-          </p:cNvPr>
-          <p:cNvPicPr>
-            <a:picLocks noChangeAspect="1"/>
-          </p:cNvPicPr>
-          <p:nvPr/>
-        </p:nvPicPr>
-        <p:blipFill rotWithShape="1">
-          <a:blip r:embed="rId2"/>
-          <a:srcRect l="6508" t="9994" r="8415" b="10710"/>
-          <a:stretch/>
-        </p:blipFill>
-        <p:spPr>
-          <a:xfrm>
-            <a:off x="7505025" y="3042914"/>
-            <a:ext cx="1072973" cy="1572279"/>
-          </a:xfrm>
-          <a:prstGeom prst="rect">
-            <a:avLst/>
-          </a:prstGeom>
-        </p:spPr>
-      </p:pic>
-      <p:cxnSp>
-        <p:nvCxnSpPr>
-          <p:cNvPr id="22" name="Straight Connector 21">
-            <a:extLst>
-              <a:ext uri="{FF2B5EF4-FFF2-40B4-BE49-F238E27FC236}">
-                <a16:creationId xmlns:a16="http://schemas.microsoft.com/office/drawing/2014/main" id="{1235AE91-848A-4B8B-82D3-BE764E9E0183}"/>
-              </a:ext>
-            </a:extLst>
-          </p:cNvPr>
-          <p:cNvCxnSpPr>
-            <a:cxnSpLocks/>
-            <a:stCxn id="21" idx="0"/>
-            <a:endCxn id="18" idx="2"/>
-          </p:cNvCxnSpPr>
-          <p:nvPr/>
-        </p:nvCxnSpPr>
-        <p:spPr>
-          <a:xfrm flipH="1" flipV="1">
-            <a:off x="8041511" y="2839248"/>
-            <a:ext cx="1" cy="203666"/>
-          </a:xfrm>
-          <a:prstGeom prst="line">
-            <a:avLst/>
-          </a:prstGeom>
-        </p:spPr>
-        <p:style>
-          <a:lnRef idx="3">
-            <a:schemeClr val="accent5"/>
-          </a:lnRef>
-          <a:fillRef idx="0">
-            <a:schemeClr val="accent5"/>
-          </a:fillRef>
-          <a:effectRef idx="2">
-            <a:schemeClr val="accent5"/>
-          </a:effectRef>
-          <a:fontRef idx="minor">
-            <a:schemeClr val="tx1"/>
-          </a:fontRef>
-        </p:style>
-      </p:cxnSp>
-      <p:pic>
-        <p:nvPicPr>
           <p:cNvPr id="23" name="Picture 22">
             <a:extLst>
               <a:ext uri="{FF2B5EF4-FFF2-40B4-BE49-F238E27FC236}">
@@ -5590,7 +5521,7 @@
         <p:spPr>
           <a:xfrm>
             <a:off x="5349846" y="4783457"/>
-            <a:ext cx="2006869" cy="1815882"/>
+            <a:ext cx="2006869" cy="2062103"/>
           </a:xfrm>
           <a:prstGeom prst="rect">
             <a:avLst/>
@@ -5660,79 +5591,13 @@
             </a:r>
           </a:p>
           <a:p>
-            <a:endParaRPr lang="en-AU" sz="1600" dirty="0"/>
-          </a:p>
-        </p:txBody>
-      </p:sp>
-      <p:sp>
-        <p:nvSpPr>
-          <p:cNvPr id="28" name="TextBox 27">
-            <a:extLst>
-              <a:ext uri="{FF2B5EF4-FFF2-40B4-BE49-F238E27FC236}">
-                <a16:creationId xmlns:a16="http://schemas.microsoft.com/office/drawing/2014/main" id="{D29EF293-2EA1-45CB-9ECB-0EFF5863819E}"/>
-              </a:ext>
-            </a:extLst>
-          </p:cNvPr>
-          <p:cNvSpPr txBox="1"/>
-          <p:nvPr/>
-        </p:nvSpPr>
-        <p:spPr>
-          <a:xfrm>
-            <a:off x="7493122" y="4783457"/>
-            <a:ext cx="2092156" cy="1323439"/>
-          </a:xfrm>
-          <a:prstGeom prst="rect">
-            <a:avLst/>
-          </a:prstGeom>
-          <a:noFill/>
-          <a:ln>
-            <a:solidFill>
-              <a:schemeClr val="accent5"/>
-            </a:solidFill>
-          </a:ln>
-        </p:spPr>
-        <p:txBody>
-          <a:bodyPr wrap="square" rtlCol="0">
-            <a:spAutoFit/>
-          </a:bodyPr>
-          <a:lstStyle/>
-          <a:p>
-            <a:r>
-              <a:rPr lang="en-AU" sz="1600" b="1" dirty="0"/>
-              <a:t>Host</a:t>
-            </a:r>
-            <a:r>
-              <a:rPr lang="en-AU" sz="1600" dirty="0"/>
-              <a:t>: k8snode1.local</a:t>
-            </a:r>
-          </a:p>
-          <a:p>
-            <a:r>
-              <a:rPr lang="en-AU" sz="1600" b="1" dirty="0"/>
-              <a:t>IP</a:t>
-            </a:r>
-            <a:r>
-              <a:rPr lang="en-AU" sz="1600" dirty="0"/>
-              <a:t>: DHCP Assigned</a:t>
-            </a:r>
-          </a:p>
-          <a:p>
-            <a:r>
-              <a:rPr lang="en-AU" sz="1600" b="1" dirty="0"/>
-              <a:t>Roles:</a:t>
-            </a:r>
-          </a:p>
-          <a:p>
-            <a:r>
-              <a:rPr lang="en-AU" sz="1600" dirty="0"/>
-              <a:t>Kubernetes Node</a:t>
-            </a:r>
-          </a:p>
-          <a:p>
             <a:r>
               <a:rPr lang="en-AU" sz="1600" b="1" dirty="0"/>
               <a:t>NFS Server</a:t>
             </a:r>
+          </a:p>
+          <a:p>
+            <a:endParaRPr lang="en-AU" sz="1600" dirty="0"/>
           </a:p>
         </p:txBody>
       </p:sp>
@@ -5830,7 +5695,7 @@
         </p:nvSpPr>
         <p:spPr>
           <a:xfrm>
-            <a:off x="8691480" y="3013495"/>
+            <a:off x="6436547" y="3059668"/>
             <a:ext cx="1213922" cy="369332"/>
           </a:xfrm>
           <a:prstGeom prst="rect">
@@ -5882,7 +5747,7 @@
         </p:blipFill>
         <p:spPr>
           <a:xfrm>
-            <a:off x="8692743" y="3382827"/>
+            <a:off x="6437810" y="3429000"/>
             <a:ext cx="961164" cy="1126687"/>
           </a:xfrm>
           <a:prstGeom prst="rect">

--- a/Resources/network.pptx
+++ b/Resources/network.pptx
@@ -6,9 +6,10 @@
   </p:sldMasterIdLst>
   <p:sldIdLst>
     <p:sldId id="256" r:id="rId2"/>
-    <p:sldId id="257" r:id="rId3"/>
-    <p:sldId id="258" r:id="rId4"/>
-    <p:sldId id="259" r:id="rId5"/>
+    <p:sldId id="260" r:id="rId3"/>
+    <p:sldId id="257" r:id="rId4"/>
+    <p:sldId id="258" r:id="rId5"/>
+    <p:sldId id="259" r:id="rId6"/>
   </p:sldIdLst>
   <p:sldSz cx="12192000" cy="6858000"/>
   <p:notesSz cx="6858000" cy="9144000"/>
@@ -275,7 +276,7 @@
           <a:p>
             <a:fld id="{A49C4678-CB09-40EB-866E-40ABA59F9E18}" type="datetimeFigureOut">
               <a:rPr lang="en-AU" smtClean="0"/>
-              <a:t>21/10/2019</a:t>
+              <a:t>29/10/2019</a:t>
             </a:fld>
             <a:endParaRPr lang="en-AU"/>
           </a:p>
@@ -475,7 +476,7 @@
           <a:p>
             <a:fld id="{A49C4678-CB09-40EB-866E-40ABA59F9E18}" type="datetimeFigureOut">
               <a:rPr lang="en-AU" smtClean="0"/>
-              <a:t>21/10/2019</a:t>
+              <a:t>29/10/2019</a:t>
             </a:fld>
             <a:endParaRPr lang="en-AU"/>
           </a:p>
@@ -685,7 +686,7 @@
           <a:p>
             <a:fld id="{A49C4678-CB09-40EB-866E-40ABA59F9E18}" type="datetimeFigureOut">
               <a:rPr lang="en-AU" smtClean="0"/>
-              <a:t>21/10/2019</a:t>
+              <a:t>29/10/2019</a:t>
             </a:fld>
             <a:endParaRPr lang="en-AU"/>
           </a:p>
@@ -885,7 +886,7 @@
           <a:p>
             <a:fld id="{A49C4678-CB09-40EB-866E-40ABA59F9E18}" type="datetimeFigureOut">
               <a:rPr lang="en-AU" smtClean="0"/>
-              <a:t>21/10/2019</a:t>
+              <a:t>29/10/2019</a:t>
             </a:fld>
             <a:endParaRPr lang="en-AU"/>
           </a:p>
@@ -1161,7 +1162,7 @@
           <a:p>
             <a:fld id="{A49C4678-CB09-40EB-866E-40ABA59F9E18}" type="datetimeFigureOut">
               <a:rPr lang="en-AU" smtClean="0"/>
-              <a:t>21/10/2019</a:t>
+              <a:t>29/10/2019</a:t>
             </a:fld>
             <a:endParaRPr lang="en-AU"/>
           </a:p>
@@ -1429,7 +1430,7 @@
           <a:p>
             <a:fld id="{A49C4678-CB09-40EB-866E-40ABA59F9E18}" type="datetimeFigureOut">
               <a:rPr lang="en-AU" smtClean="0"/>
-              <a:t>21/10/2019</a:t>
+              <a:t>29/10/2019</a:t>
             </a:fld>
             <a:endParaRPr lang="en-AU"/>
           </a:p>
@@ -1844,7 +1845,7 @@
           <a:p>
             <a:fld id="{A49C4678-CB09-40EB-866E-40ABA59F9E18}" type="datetimeFigureOut">
               <a:rPr lang="en-AU" smtClean="0"/>
-              <a:t>21/10/2019</a:t>
+              <a:t>29/10/2019</a:t>
             </a:fld>
             <a:endParaRPr lang="en-AU"/>
           </a:p>
@@ -1986,7 +1987,7 @@
           <a:p>
             <a:fld id="{A49C4678-CB09-40EB-866E-40ABA59F9E18}" type="datetimeFigureOut">
               <a:rPr lang="en-AU" smtClean="0"/>
-              <a:t>21/10/2019</a:t>
+              <a:t>29/10/2019</a:t>
             </a:fld>
             <a:endParaRPr lang="en-AU"/>
           </a:p>
@@ -2099,7 +2100,7 @@
           <a:p>
             <a:fld id="{A49C4678-CB09-40EB-866E-40ABA59F9E18}" type="datetimeFigureOut">
               <a:rPr lang="en-AU" smtClean="0"/>
-              <a:t>21/10/2019</a:t>
+              <a:t>29/10/2019</a:t>
             </a:fld>
             <a:endParaRPr lang="en-AU"/>
           </a:p>
@@ -2412,7 +2413,7 @@
           <a:p>
             <a:fld id="{A49C4678-CB09-40EB-866E-40ABA59F9E18}" type="datetimeFigureOut">
               <a:rPr lang="en-AU" smtClean="0"/>
-              <a:t>21/10/2019</a:t>
+              <a:t>29/10/2019</a:t>
             </a:fld>
             <a:endParaRPr lang="en-AU"/>
           </a:p>
@@ -2701,7 +2702,7 @@
           <a:p>
             <a:fld id="{A49C4678-CB09-40EB-866E-40ABA59F9E18}" type="datetimeFigureOut">
               <a:rPr lang="en-AU" smtClean="0"/>
-              <a:t>21/10/2019</a:t>
+              <a:t>29/10/2019</a:t>
             </a:fld>
             <a:endParaRPr lang="en-AU"/>
           </a:p>
@@ -2944,7 +2945,7 @@
           <a:p>
             <a:fld id="{A49C4678-CB09-40EB-866E-40ABA59F9E18}" type="datetimeFigureOut">
               <a:rPr lang="en-AU" smtClean="0"/>
-              <a:t>21/10/2019</a:t>
+              <a:t>29/10/2019</a:t>
             </a:fld>
             <a:endParaRPr lang="en-AU"/>
           </a:p>
@@ -4353,6 +4354,35 @@
           </a:prstGeom>
         </p:spPr>
       </p:pic>
+      <p:pic>
+        <p:nvPicPr>
+          <p:cNvPr id="34" name="Picture 33">
+            <a:extLst>
+              <a:ext uri="{FF2B5EF4-FFF2-40B4-BE49-F238E27FC236}">
+                <a16:creationId xmlns:a16="http://schemas.microsoft.com/office/drawing/2014/main" id="{9380293E-EFA8-457D-B139-B224672E79B6}"/>
+              </a:ext>
+            </a:extLst>
+          </p:cNvPr>
+          <p:cNvPicPr>
+            <a:picLocks noChangeAspect="1"/>
+          </p:cNvPicPr>
+          <p:nvPr/>
+        </p:nvPicPr>
+        <p:blipFill rotWithShape="1">
+          <a:blip r:embed="rId2"/>
+          <a:srcRect l="6508" t="9994" r="8415" b="10710"/>
+          <a:stretch/>
+        </p:blipFill>
+        <p:spPr>
+          <a:xfrm>
+            <a:off x="9918451" y="2332149"/>
+            <a:ext cx="1072972" cy="1572277"/>
+          </a:xfrm>
+          <a:prstGeom prst="rect">
+            <a:avLst/>
+          </a:prstGeom>
+        </p:spPr>
+      </p:pic>
       <p:cxnSp>
         <p:nvCxnSpPr>
           <p:cNvPr id="29" name="Straight Connector 28">
@@ -4375,6 +4405,46 @@
             <a:ext cx="1" cy="203666"/>
           </a:xfrm>
           <a:prstGeom prst="line">
+            <a:avLst/>
+          </a:prstGeom>
+        </p:spPr>
+        <p:style>
+          <a:lnRef idx="3">
+            <a:schemeClr val="accent5"/>
+          </a:lnRef>
+          <a:fillRef idx="0">
+            <a:schemeClr val="accent5"/>
+          </a:fillRef>
+          <a:effectRef idx="2">
+            <a:schemeClr val="accent5"/>
+          </a:effectRef>
+          <a:fontRef idx="minor">
+            <a:schemeClr val="tx1"/>
+          </a:fontRef>
+        </p:style>
+      </p:cxnSp>
+      <p:cxnSp>
+        <p:nvCxnSpPr>
+          <p:cNvPr id="31" name="Connector: Elbow 30">
+            <a:extLst>
+              <a:ext uri="{FF2B5EF4-FFF2-40B4-BE49-F238E27FC236}">
+                <a16:creationId xmlns:a16="http://schemas.microsoft.com/office/drawing/2014/main" id="{C0D50831-3D6A-42CB-93D9-B0881DF00947}"/>
+              </a:ext>
+            </a:extLst>
+          </p:cNvPr>
+          <p:cNvCxnSpPr>
+            <a:cxnSpLocks/>
+            <a:stCxn id="34" idx="0"/>
+            <a:endCxn id="51" idx="3"/>
+          </p:cNvCxnSpPr>
+          <p:nvPr/>
+        </p:nvCxnSpPr>
+        <p:spPr>
+          <a:xfrm rot="16200000" flipV="1">
+            <a:off x="9619967" y="1497179"/>
+            <a:ext cx="542003" cy="1127938"/>
+          </a:xfrm>
+          <a:prstGeom prst="bentConnector2">
             <a:avLst/>
           </a:prstGeom>
         </p:spPr>
@@ -4415,7 +4485,7 @@
         </p:blipFill>
         <p:spPr>
           <a:xfrm>
-            <a:off x="3300728" y="2776315"/>
+            <a:off x="331026" y="2773967"/>
             <a:ext cx="1403387" cy="669739"/>
           </a:xfrm>
           <a:prstGeom prst="rect">
@@ -4445,7 +4515,7 @@
         </p:blipFill>
         <p:spPr>
           <a:xfrm>
-            <a:off x="3402767" y="4566674"/>
+            <a:off x="433065" y="4564326"/>
             <a:ext cx="1199305" cy="1164232"/>
           </a:xfrm>
           <a:prstGeom prst="rect">
@@ -4480,7 +4550,7 @@
         </p:blipFill>
         <p:spPr bwMode="auto">
           <a:xfrm rot="10800000" flipV="1">
-            <a:off x="3631632" y="3706883"/>
+            <a:off x="661930" y="3704535"/>
             <a:ext cx="741574" cy="598962"/>
           </a:xfrm>
           <a:prstGeom prst="rect">
@@ -4512,8 +4582,8 @@
         </p:nvSpPr>
         <p:spPr>
           <a:xfrm>
-            <a:off x="7473331" y="1067086"/>
-            <a:ext cx="1700466" cy="369332"/>
+            <a:off x="7320129" y="807900"/>
+            <a:ext cx="1851790" cy="646331"/>
           </a:xfrm>
           <a:prstGeom prst="rect">
             <a:avLst/>
@@ -4526,10 +4596,75 @@
           </a:bodyPr>
           <a:lstStyle/>
           <a:p>
-            <a:pPr algn="ctr"/>
-            <a:r>
-              <a:rPr lang="en-AU" b="1" dirty="0"/>
+            <a:pPr marL="0" marR="0" lvl="0" indent="0" algn="ctr" defTabSz="914400" rtl="0" eaLnBrk="1" fontAlgn="auto" latinLnBrk="0" hangingPunct="1">
+              <a:lnSpc>
+                <a:spcPct val="100000"/>
+              </a:lnSpc>
+              <a:spcBef>
+                <a:spcPts val="0"/>
+              </a:spcBef>
+              <a:spcAft>
+                <a:spcPts val="0"/>
+              </a:spcAft>
+              <a:buClrTx/>
+              <a:buSzTx/>
+              <a:buFontTx/>
+              <a:buNone/>
+              <a:tabLst/>
+              <a:defRPr/>
+            </a:pPr>
+            <a:r>
+              <a:rPr kumimoji="0" lang="en-AU" sz="1800" b="1" i="0" u="none" strike="noStrike" kern="1200" cap="none" spc="0" normalizeH="0" baseline="0" noProof="0" dirty="0">
+                <a:ln>
+                  <a:noFill/>
+                </a:ln>
+                <a:solidFill>
+                  <a:prstClr val="black"/>
+                </a:solidFill>
+                <a:effectLst/>
+                <a:uLnTx/>
+                <a:uFillTx/>
+                <a:latin typeface="Calibri" panose="020F0502020204030204"/>
+                <a:ea typeface="+mn-ea"/>
+                <a:cs typeface="+mn-cs"/>
+              </a:rPr>
               <a:t>Network Switch</a:t>
+            </a:r>
+          </a:p>
+          <a:p>
+            <a:pPr marL="0" marR="0" lvl="0" indent="0" algn="ctr" defTabSz="914400" rtl="0" eaLnBrk="1" fontAlgn="auto" latinLnBrk="0" hangingPunct="1">
+              <a:lnSpc>
+                <a:spcPct val="100000"/>
+              </a:lnSpc>
+              <a:spcBef>
+                <a:spcPts val="0"/>
+              </a:spcBef>
+              <a:spcAft>
+                <a:spcPts val="0"/>
+              </a:spcAft>
+              <a:buClrTx/>
+              <a:buSzTx/>
+              <a:buFontTx/>
+              <a:buNone/>
+              <a:tabLst/>
+              <a:defRPr/>
+            </a:pPr>
+            <a:r>
+              <a:rPr kumimoji="0" lang="en-AU" sz="1800" b="0" i="0" u="none" strike="noStrike" kern="1200" cap="none" spc="0" normalizeH="0" baseline="0" noProof="0" dirty="0">
+                <a:ln>
+                  <a:noFill/>
+                </a:ln>
+                <a:solidFill>
+                  <a:prstClr val="black"/>
+                </a:solidFill>
+                <a:effectLst/>
+                <a:uLnTx/>
+                <a:uFillTx/>
+                <a:latin typeface="Calibri" panose="020F0502020204030204"/>
+                <a:ea typeface="+mn-ea"/>
+                <a:cs typeface="+mn-cs"/>
+              </a:rPr>
+              <a:t>192.168.100.0/24</a:t>
             </a:r>
           </a:p>
         </p:txBody>
@@ -4549,7 +4684,7 @@
         <p:spPr>
           <a:xfrm>
             <a:off x="5631899" y="4069224"/>
-            <a:ext cx="2006869" cy="338554"/>
+            <a:ext cx="2006869" cy="584775"/>
           </a:xfrm>
           <a:prstGeom prst="rect">
             <a:avLst/>
@@ -4567,13 +4702,109 @@
           </a:bodyPr>
           <a:lstStyle/>
           <a:p>
-            <a:r>
-              <a:rPr lang="en-AU" sz="1600" b="1" dirty="0"/>
+            <a:pPr marL="0" marR="0" lvl="0" indent="0" algn="l" defTabSz="914400" rtl="0" eaLnBrk="1" fontAlgn="auto" latinLnBrk="0" hangingPunct="1">
+              <a:lnSpc>
+                <a:spcPct val="100000"/>
+              </a:lnSpc>
+              <a:spcBef>
+                <a:spcPts val="0"/>
+              </a:spcBef>
+              <a:spcAft>
+                <a:spcPts val="0"/>
+              </a:spcAft>
+              <a:buClrTx/>
+              <a:buSzTx/>
+              <a:buFontTx/>
+              <a:buNone/>
+              <a:tabLst/>
+              <a:defRPr/>
+            </a:pPr>
+            <a:r>
+              <a:rPr kumimoji="0" lang="en-AU" sz="1600" b="1" i="0" u="none" strike="noStrike" kern="1200" cap="none" spc="0" normalizeH="0" baseline="0" noProof="0" dirty="0">
+                <a:ln>
+                  <a:noFill/>
+                </a:ln>
+                <a:solidFill>
+                  <a:prstClr val="black"/>
+                </a:solidFill>
+                <a:effectLst/>
+                <a:uLnTx/>
+                <a:uFillTx/>
+                <a:latin typeface="Calibri" panose="020F0502020204030204"/>
+                <a:ea typeface="+mn-ea"/>
+                <a:cs typeface="+mn-cs"/>
+              </a:rPr>
               <a:t>Host</a:t>
             </a:r>
             <a:r>
-              <a:rPr lang="en-AU" sz="1600" dirty="0"/>
+              <a:rPr kumimoji="0" lang="en-AU" sz="1600" b="0" i="0" u="none" strike="noStrike" kern="1200" cap="none" spc="0" normalizeH="0" baseline="0" noProof="0" dirty="0">
+                <a:ln>
+                  <a:noFill/>
+                </a:ln>
+                <a:solidFill>
+                  <a:prstClr val="black"/>
+                </a:solidFill>
+                <a:effectLst/>
+                <a:uLnTx/>
+                <a:uFillTx/>
+                <a:latin typeface="Calibri" panose="020F0502020204030204"/>
+                <a:ea typeface="+mn-ea"/>
+                <a:cs typeface="+mn-cs"/>
+              </a:rPr>
               <a:t>: k8smaster.local</a:t>
+            </a:r>
+          </a:p>
+          <a:p>
+            <a:pPr marL="0" marR="0" lvl="0" indent="0" algn="l" defTabSz="914400" rtl="0" eaLnBrk="1" fontAlgn="auto" latinLnBrk="0" hangingPunct="1">
+              <a:lnSpc>
+                <a:spcPct val="100000"/>
+              </a:lnSpc>
+              <a:spcBef>
+                <a:spcPts val="0"/>
+              </a:spcBef>
+              <a:spcAft>
+                <a:spcPts val="0"/>
+              </a:spcAft>
+              <a:buClrTx/>
+              <a:buSzTx/>
+              <a:buFontTx/>
+              <a:buNone/>
+              <a:tabLst/>
+              <a:defRPr/>
+            </a:pPr>
+            <a:r>
+              <a:rPr kumimoji="0" lang="en-AU" sz="1600" b="1" i="0" u="none" strike="noStrike" kern="1200" cap="none" spc="0" normalizeH="0" baseline="0" noProof="0" dirty="0">
+                <a:ln>
+                  <a:noFill/>
+                </a:ln>
+                <a:solidFill>
+                  <a:prstClr val="black"/>
+                </a:solidFill>
+                <a:effectLst/>
+                <a:uLnTx/>
+                <a:uFillTx/>
+                <a:latin typeface="Calibri" panose="020F0502020204030204"/>
+                <a:ea typeface="+mn-ea"/>
+                <a:cs typeface="+mn-cs"/>
+              </a:rPr>
+              <a:t>IP</a:t>
+            </a:r>
+            <a:r>
+              <a:rPr kumimoji="0" lang="en-AU" sz="1600" b="0" i="0" u="none" strike="noStrike" kern="1200" cap="none" spc="0" normalizeH="0" baseline="0" noProof="0" dirty="0">
+                <a:ln>
+                  <a:noFill/>
+                </a:ln>
+                <a:solidFill>
+                  <a:prstClr val="black"/>
+                </a:solidFill>
+                <a:effectLst/>
+                <a:uLnTx/>
+                <a:uFillTx/>
+                <a:latin typeface="Calibri" panose="020F0502020204030204"/>
+                <a:ea typeface="+mn-ea"/>
+                <a:cs typeface="+mn-cs"/>
+              </a:rPr>
+              <a:t>: 192.168.100.1</a:t>
             </a:r>
           </a:p>
         </p:txBody>
@@ -4593,7 +4824,7 @@
         <p:spPr>
           <a:xfrm>
             <a:off x="7775175" y="4069224"/>
-            <a:ext cx="2092156" cy="338554"/>
+            <a:ext cx="2060312" cy="584775"/>
           </a:xfrm>
           <a:prstGeom prst="rect">
             <a:avLst/>
@@ -4611,13 +4842,241 @@
           </a:bodyPr>
           <a:lstStyle/>
           <a:p>
-            <a:r>
-              <a:rPr lang="en-AU" sz="1600" b="1" dirty="0"/>
+            <a:pPr marL="0" marR="0" lvl="0" indent="0" algn="l" defTabSz="914400" rtl="0" eaLnBrk="1" fontAlgn="auto" latinLnBrk="0" hangingPunct="1">
+              <a:lnSpc>
+                <a:spcPct val="100000"/>
+              </a:lnSpc>
+              <a:spcBef>
+                <a:spcPts val="0"/>
+              </a:spcBef>
+              <a:spcAft>
+                <a:spcPts val="0"/>
+              </a:spcAft>
+              <a:buClrTx/>
+              <a:buSzTx/>
+              <a:buFontTx/>
+              <a:buNone/>
+              <a:tabLst/>
+              <a:defRPr/>
+            </a:pPr>
+            <a:r>
+              <a:rPr kumimoji="0" lang="en-AU" sz="1600" b="1" i="0" u="none" strike="noStrike" kern="1200" cap="none" spc="0" normalizeH="0" baseline="0" noProof="0" dirty="0">
+                <a:ln>
+                  <a:noFill/>
+                </a:ln>
+                <a:solidFill>
+                  <a:prstClr val="black"/>
+                </a:solidFill>
+                <a:effectLst/>
+                <a:uLnTx/>
+                <a:uFillTx/>
+                <a:latin typeface="Calibri" panose="020F0502020204030204"/>
+                <a:ea typeface="+mn-ea"/>
+                <a:cs typeface="+mn-cs"/>
+              </a:rPr>
               <a:t>Host</a:t>
             </a:r>
             <a:r>
-              <a:rPr lang="en-AU" sz="1600" dirty="0"/>
-              <a:t>: k8snode1.local</a:t>
+              <a:rPr kumimoji="0" lang="en-AU" sz="1600" b="0" i="0" u="none" strike="noStrike" kern="1200" cap="none" spc="0" normalizeH="0" baseline="0" noProof="0" dirty="0">
+                <a:ln>
+                  <a:noFill/>
+                </a:ln>
+                <a:solidFill>
+                  <a:prstClr val="black"/>
+                </a:solidFill>
+                <a:effectLst/>
+                <a:uLnTx/>
+                <a:uFillTx/>
+                <a:latin typeface="Calibri" panose="020F0502020204030204"/>
+                <a:ea typeface="+mn-ea"/>
+                <a:cs typeface="+mn-cs"/>
+              </a:rPr>
+              <a:t>: </a:t>
+            </a:r>
+            <a:r>
+              <a:rPr kumimoji="0" lang="en-AU" sz="1600" b="0" i="0" u="none" strike="noStrike" kern="1200" cap="none" spc="0" normalizeH="0" baseline="0" noProof="0" dirty="0" err="1">
+                <a:ln>
+                  <a:noFill/>
+                </a:ln>
+                <a:solidFill>
+                  <a:prstClr val="black"/>
+                </a:solidFill>
+                <a:effectLst/>
+                <a:uLnTx/>
+                <a:uFillTx/>
+                <a:latin typeface="Calibri" panose="020F0502020204030204"/>
+                <a:ea typeface="+mn-ea"/>
+                <a:cs typeface="+mn-cs"/>
+              </a:rPr>
+              <a:t>raspberrypi.local</a:t>
+            </a:r>
+            <a:endParaRPr kumimoji="0" lang="en-AU" sz="1600" b="0" i="0" u="none" strike="noStrike" kern="1200" cap="none" spc="0" normalizeH="0" baseline="0" noProof="0" dirty="0">
+              <a:ln>
+                <a:noFill/>
+              </a:ln>
+              <a:solidFill>
+                <a:prstClr val="black"/>
+              </a:solidFill>
+              <a:effectLst/>
+              <a:uLnTx/>
+              <a:uFillTx/>
+              <a:latin typeface="Calibri" panose="020F0502020204030204"/>
+              <a:ea typeface="+mn-ea"/>
+              <a:cs typeface="+mn-cs"/>
+            </a:endParaRPr>
+          </a:p>
+          <a:p>
+            <a:r>
+              <a:rPr lang="en-AU" sz="1600" b="1" dirty="0">
+                <a:solidFill>
+                  <a:prstClr val="black"/>
+                </a:solidFill>
+              </a:rPr>
+              <a:t>IP</a:t>
+            </a:r>
+            <a:r>
+              <a:rPr lang="en-AU" sz="1600" dirty="0">
+                <a:solidFill>
+                  <a:prstClr val="black"/>
+                </a:solidFill>
+              </a:rPr>
+              <a:t>: 192.168.100.50</a:t>
+            </a:r>
+          </a:p>
+        </p:txBody>
+      </p:sp>
+      <p:sp>
+        <p:nvSpPr>
+          <p:cNvPr id="73" name="TextBox 72">
+            <a:extLst>
+              <a:ext uri="{FF2B5EF4-FFF2-40B4-BE49-F238E27FC236}">
+                <a16:creationId xmlns:a16="http://schemas.microsoft.com/office/drawing/2014/main" id="{2152AD48-832B-4E4A-BA35-064A77E15F86}"/>
+              </a:ext>
+            </a:extLst>
+          </p:cNvPr>
+          <p:cNvSpPr txBox="1"/>
+          <p:nvPr/>
+        </p:nvSpPr>
+        <p:spPr>
+          <a:xfrm>
+            <a:off x="9918451" y="4069224"/>
+            <a:ext cx="2060312" cy="584775"/>
+          </a:xfrm>
+          <a:prstGeom prst="rect">
+            <a:avLst/>
+          </a:prstGeom>
+          <a:noFill/>
+          <a:ln>
+            <a:solidFill>
+              <a:schemeClr val="accent5"/>
+            </a:solidFill>
+          </a:ln>
+        </p:spPr>
+        <p:txBody>
+          <a:bodyPr wrap="square" rtlCol="0">
+            <a:spAutoFit/>
+          </a:bodyPr>
+          <a:lstStyle/>
+          <a:p>
+            <a:pPr marL="0" marR="0" lvl="0" indent="0" algn="l" defTabSz="914400" rtl="0" eaLnBrk="1" fontAlgn="auto" latinLnBrk="0" hangingPunct="1">
+              <a:lnSpc>
+                <a:spcPct val="100000"/>
+              </a:lnSpc>
+              <a:spcBef>
+                <a:spcPts val="0"/>
+              </a:spcBef>
+              <a:spcAft>
+                <a:spcPts val="0"/>
+              </a:spcAft>
+              <a:buClrTx/>
+              <a:buSzTx/>
+              <a:buFontTx/>
+              <a:buNone/>
+              <a:tabLst/>
+              <a:defRPr/>
+            </a:pPr>
+            <a:r>
+              <a:rPr kumimoji="0" lang="en-AU" sz="1600" b="1" i="0" u="none" strike="noStrike" kern="1200" cap="none" spc="0" normalizeH="0" baseline="0" noProof="0" dirty="0">
+                <a:ln>
+                  <a:noFill/>
+                </a:ln>
+                <a:solidFill>
+                  <a:prstClr val="black"/>
+                </a:solidFill>
+                <a:effectLst/>
+                <a:uLnTx/>
+                <a:uFillTx/>
+                <a:latin typeface="Calibri" panose="020F0502020204030204"/>
+                <a:ea typeface="+mn-ea"/>
+                <a:cs typeface="+mn-cs"/>
+              </a:rPr>
+              <a:t>Host</a:t>
+            </a:r>
+            <a:r>
+              <a:rPr kumimoji="0" lang="en-AU" sz="1600" b="0" i="0" u="none" strike="noStrike" kern="1200" cap="none" spc="0" normalizeH="0" baseline="0" noProof="0" dirty="0">
+                <a:ln>
+                  <a:noFill/>
+                </a:ln>
+                <a:solidFill>
+                  <a:prstClr val="black"/>
+                </a:solidFill>
+                <a:effectLst/>
+                <a:uLnTx/>
+                <a:uFillTx/>
+                <a:latin typeface="Calibri" panose="020F0502020204030204"/>
+                <a:ea typeface="+mn-ea"/>
+                <a:cs typeface="+mn-cs"/>
+              </a:rPr>
+              <a:t>: </a:t>
+            </a:r>
+            <a:r>
+              <a:rPr kumimoji="0" lang="en-AU" sz="1600" b="0" i="0" u="none" strike="noStrike" kern="1200" cap="none" spc="0" normalizeH="0" baseline="0" noProof="0" dirty="0" err="1">
+                <a:ln>
+                  <a:noFill/>
+                </a:ln>
+                <a:solidFill>
+                  <a:prstClr val="black"/>
+                </a:solidFill>
+                <a:effectLst/>
+                <a:uLnTx/>
+                <a:uFillTx/>
+                <a:latin typeface="Calibri" panose="020F0502020204030204"/>
+                <a:ea typeface="+mn-ea"/>
+                <a:cs typeface="+mn-cs"/>
+              </a:rPr>
+              <a:t>raspberrypi.local</a:t>
+            </a:r>
+            <a:endParaRPr kumimoji="0" lang="en-AU" sz="1600" b="0" i="0" u="none" strike="noStrike" kern="1200" cap="none" spc="0" normalizeH="0" baseline="0" noProof="0" dirty="0">
+              <a:ln>
+                <a:noFill/>
+              </a:ln>
+              <a:solidFill>
+                <a:prstClr val="black"/>
+              </a:solidFill>
+              <a:effectLst/>
+              <a:uLnTx/>
+              <a:uFillTx/>
+              <a:latin typeface="Calibri" panose="020F0502020204030204"/>
+              <a:ea typeface="+mn-ea"/>
+              <a:cs typeface="+mn-cs"/>
+            </a:endParaRPr>
+          </a:p>
+          <a:p>
+            <a:r>
+              <a:rPr lang="en-AU" sz="1600" b="1" dirty="0">
+                <a:solidFill>
+                  <a:prstClr val="black"/>
+                </a:solidFill>
+              </a:rPr>
+              <a:t>IP</a:t>
+            </a:r>
+            <a:r>
+              <a:rPr lang="en-AU" sz="1600" dirty="0">
+                <a:solidFill>
+                  <a:prstClr val="black"/>
+                </a:solidFill>
+              </a:rPr>
+              <a:t>: 192.168.100.51</a:t>
             </a:r>
           </a:p>
         </p:txBody>
@@ -4636,7 +5095,7 @@
         </p:nvSpPr>
         <p:spPr>
           <a:xfrm>
-            <a:off x="3155072" y="2322698"/>
+            <a:off x="175030" y="2122667"/>
             <a:ext cx="1715377" cy="400110"/>
           </a:xfrm>
           <a:prstGeom prst="rect">
@@ -4649,10 +5108,318 @@
           </a:bodyPr>
           <a:lstStyle/>
           <a:p>
-            <a:pPr algn="ctr"/>
-            <a:r>
-              <a:rPr lang="en-AU" b="1" dirty="0"/>
+            <a:pPr marL="0" marR="0" lvl="0" indent="0" algn="ctr" defTabSz="914400" rtl="0" eaLnBrk="1" fontAlgn="auto" latinLnBrk="0" hangingPunct="1">
+              <a:lnSpc>
+                <a:spcPct val="100000"/>
+              </a:lnSpc>
+              <a:spcBef>
+                <a:spcPts val="0"/>
+              </a:spcBef>
+              <a:spcAft>
+                <a:spcPts val="0"/>
+              </a:spcAft>
+              <a:buClrTx/>
+              <a:buSzTx/>
+              <a:buFontTx/>
+              <a:buNone/>
+              <a:tabLst/>
+              <a:defRPr/>
+            </a:pPr>
+            <a:r>
+              <a:rPr kumimoji="0" lang="en-AU" sz="1800" b="1" i="0" u="none" strike="noStrike" kern="1200" cap="none" spc="0" normalizeH="0" baseline="0" noProof="0" dirty="0">
+                <a:ln>
+                  <a:noFill/>
+                </a:ln>
+                <a:solidFill>
+                  <a:prstClr val="black"/>
+                </a:solidFill>
+                <a:effectLst/>
+                <a:uLnTx/>
+                <a:uFillTx/>
+                <a:latin typeface="Calibri" panose="020F0502020204030204"/>
+                <a:ea typeface="+mn-ea"/>
+                <a:cs typeface="+mn-cs"/>
+              </a:rPr>
               <a:t>Network Router</a:t>
+            </a:r>
+          </a:p>
+          <a:p>
+            <a:pPr marL="0" marR="0" lvl="0" indent="0" algn="ctr" defTabSz="914400" rtl="0" eaLnBrk="1" fontAlgn="auto" latinLnBrk="0" hangingPunct="1">
+              <a:lnSpc>
+                <a:spcPct val="100000"/>
+              </a:lnSpc>
+              <a:spcBef>
+                <a:spcPts val="0"/>
+              </a:spcBef>
+              <a:spcAft>
+                <a:spcPts val="0"/>
+              </a:spcAft>
+              <a:buClrTx/>
+              <a:buSzTx/>
+              <a:buFontTx/>
+              <a:buNone/>
+              <a:tabLst/>
+              <a:defRPr/>
+            </a:pPr>
+            <a:r>
+              <a:rPr kumimoji="0" lang="en-AU" sz="1800" b="0" i="0" u="none" strike="noStrike" kern="1200" cap="none" spc="0" normalizeH="0" baseline="0" noProof="0" dirty="0">
+                <a:ln>
+                  <a:noFill/>
+                </a:ln>
+                <a:solidFill>
+                  <a:prstClr val="black"/>
+                </a:solidFill>
+                <a:effectLst/>
+                <a:uLnTx/>
+                <a:uFillTx/>
+                <a:latin typeface="Calibri" panose="020F0502020204030204"/>
+                <a:ea typeface="+mn-ea"/>
+                <a:cs typeface="+mn-cs"/>
+              </a:rPr>
+              <a:t>192.168.0.0/24</a:t>
+            </a:r>
+          </a:p>
+        </p:txBody>
+      </p:sp>
+      <p:sp>
+        <p:nvSpPr>
+          <p:cNvPr id="81" name="TextBox 80">
+            <a:extLst>
+              <a:ext uri="{FF2B5EF4-FFF2-40B4-BE49-F238E27FC236}">
+                <a16:creationId xmlns:a16="http://schemas.microsoft.com/office/drawing/2014/main" id="{BFF18F2B-B0FE-4CE1-8436-2FA1A644041F}"/>
+              </a:ext>
+            </a:extLst>
+          </p:cNvPr>
+          <p:cNvSpPr txBox="1"/>
+          <p:nvPr/>
+        </p:nvSpPr>
+        <p:spPr>
+          <a:xfrm rot="16200000">
+            <a:off x="4733245" y="2933621"/>
+            <a:ext cx="1410964" cy="369332"/>
+          </a:xfrm>
+          <a:prstGeom prst="rect">
+            <a:avLst/>
+          </a:prstGeom>
+          <a:noFill/>
+        </p:spPr>
+        <p:txBody>
+          <a:bodyPr wrap="none" rtlCol="0">
+            <a:spAutoFit/>
+          </a:bodyPr>
+          <a:lstStyle/>
+          <a:p>
+            <a:pPr marL="0" marR="0" lvl="0" indent="0" algn="l" defTabSz="914400" rtl="0" eaLnBrk="1" fontAlgn="auto" latinLnBrk="0" hangingPunct="1">
+              <a:lnSpc>
+                <a:spcPct val="100000"/>
+              </a:lnSpc>
+              <a:spcBef>
+                <a:spcPts val="0"/>
+              </a:spcBef>
+              <a:spcAft>
+                <a:spcPts val="0"/>
+              </a:spcAft>
+              <a:buClrTx/>
+              <a:buSzTx/>
+              <a:buFontTx/>
+              <a:buNone/>
+              <a:tabLst/>
+              <a:defRPr/>
+            </a:pPr>
+            <a:r>
+              <a:rPr kumimoji="0" lang="en-AU" sz="1800" b="0" i="0" u="none" strike="noStrike" kern="1200" cap="none" spc="0" normalizeH="0" baseline="0" noProof="0" dirty="0">
+                <a:ln>
+                  <a:noFill/>
+                </a:ln>
+                <a:solidFill>
+                  <a:prstClr val="black"/>
+                </a:solidFill>
+                <a:effectLst/>
+                <a:uLnTx/>
+                <a:uFillTx/>
+                <a:latin typeface="Calibri" panose="020F0502020204030204"/>
+                <a:ea typeface="+mn-ea"/>
+                <a:cs typeface="+mn-cs"/>
+              </a:rPr>
+              <a:t>192.168.0.55</a:t>
+            </a:r>
+          </a:p>
+        </p:txBody>
+      </p:sp>
+      <p:sp>
+        <p:nvSpPr>
+          <p:cNvPr id="82" name="TextBox 81">
+            <a:extLst>
+              <a:ext uri="{FF2B5EF4-FFF2-40B4-BE49-F238E27FC236}">
+                <a16:creationId xmlns:a16="http://schemas.microsoft.com/office/drawing/2014/main" id="{8A32602B-5E43-4B28-A22C-FAC960ADE1FA}"/>
+              </a:ext>
+            </a:extLst>
+          </p:cNvPr>
+          <p:cNvSpPr txBox="1"/>
+          <p:nvPr/>
+        </p:nvSpPr>
+        <p:spPr>
+          <a:xfrm>
+            <a:off x="2419861" y="2641232"/>
+            <a:ext cx="2163926" cy="954107"/>
+          </a:xfrm>
+          <a:prstGeom prst="rect">
+            <a:avLst/>
+          </a:prstGeom>
+          <a:noFill/>
+          <a:ln>
+            <a:solidFill>
+              <a:schemeClr val="accent1"/>
+            </a:solidFill>
+          </a:ln>
+        </p:spPr>
+        <p:txBody>
+          <a:bodyPr wrap="none" rtlCol="0">
+            <a:spAutoFit/>
+          </a:bodyPr>
+          <a:lstStyle/>
+          <a:p>
+            <a:pPr marL="0" marR="0" lvl="0" indent="0" algn="l" defTabSz="914400" rtl="0" eaLnBrk="1" fontAlgn="auto" latinLnBrk="0" hangingPunct="1">
+              <a:lnSpc>
+                <a:spcPct val="100000"/>
+              </a:lnSpc>
+              <a:spcBef>
+                <a:spcPts val="0"/>
+              </a:spcBef>
+              <a:spcAft>
+                <a:spcPts val="0"/>
+              </a:spcAft>
+              <a:buClrTx/>
+              <a:buSzTx/>
+              <a:buFontTx/>
+              <a:buNone/>
+              <a:tabLst/>
+              <a:defRPr/>
+            </a:pPr>
+            <a:r>
+              <a:rPr kumimoji="0" lang="en-AU" sz="1400" b="1" i="0" u="none" strike="noStrike" kern="1200" cap="none" spc="0" normalizeH="0" baseline="0" noProof="0" dirty="0">
+                <a:ln>
+                  <a:noFill/>
+                </a:ln>
+                <a:solidFill>
+                  <a:prstClr val="black"/>
+                </a:solidFill>
+                <a:effectLst/>
+                <a:uLnTx/>
+                <a:uFillTx/>
+                <a:latin typeface="Calibri" panose="020F0502020204030204"/>
+                <a:ea typeface="+mn-ea"/>
+                <a:cs typeface="+mn-cs"/>
+              </a:rPr>
+              <a:t>Static Route</a:t>
+            </a:r>
+          </a:p>
+          <a:p>
+            <a:pPr marL="0" marR="0" lvl="0" indent="0" algn="l" defTabSz="914400" rtl="0" eaLnBrk="1" fontAlgn="auto" latinLnBrk="0" hangingPunct="1">
+              <a:lnSpc>
+                <a:spcPct val="100000"/>
+              </a:lnSpc>
+              <a:spcBef>
+                <a:spcPts val="0"/>
+              </a:spcBef>
+              <a:spcAft>
+                <a:spcPts val="0"/>
+              </a:spcAft>
+              <a:buClrTx/>
+              <a:buSzTx/>
+              <a:buFontTx/>
+              <a:buNone/>
+              <a:tabLst/>
+              <a:defRPr/>
+            </a:pPr>
+            <a:r>
+              <a:rPr kumimoji="0" lang="en-AU" sz="1400" b="0" i="0" u="none" strike="noStrike" kern="1200" cap="none" spc="0" normalizeH="0" baseline="0" noProof="0" dirty="0">
+                <a:ln>
+                  <a:noFill/>
+                </a:ln>
+                <a:solidFill>
+                  <a:prstClr val="black"/>
+                </a:solidFill>
+                <a:effectLst/>
+                <a:uLnTx/>
+                <a:uFillTx/>
+                <a:latin typeface="Calibri" panose="020F0502020204030204"/>
+                <a:ea typeface="+mn-ea"/>
+                <a:cs typeface="+mn-cs"/>
+              </a:rPr>
+              <a:t>Destination: 192.168.100.0</a:t>
+            </a:r>
+          </a:p>
+          <a:p>
+            <a:pPr marL="0" marR="0" lvl="0" indent="0" algn="l" defTabSz="914400" rtl="0" eaLnBrk="1" fontAlgn="auto" latinLnBrk="0" hangingPunct="1">
+              <a:lnSpc>
+                <a:spcPct val="100000"/>
+              </a:lnSpc>
+              <a:spcBef>
+                <a:spcPts val="0"/>
+              </a:spcBef>
+              <a:spcAft>
+                <a:spcPts val="0"/>
+              </a:spcAft>
+              <a:buClrTx/>
+              <a:buSzTx/>
+              <a:buFontTx/>
+              <a:buNone/>
+              <a:tabLst/>
+              <a:defRPr/>
+            </a:pPr>
+            <a:r>
+              <a:rPr kumimoji="0" lang="en-AU" sz="1400" b="0" i="0" u="none" strike="noStrike" kern="1200" cap="none" spc="0" normalizeH="0" baseline="0" noProof="0" dirty="0">
+                <a:ln>
+                  <a:noFill/>
+                </a:ln>
+                <a:solidFill>
+                  <a:prstClr val="black"/>
+                </a:solidFill>
+                <a:effectLst/>
+                <a:uLnTx/>
+                <a:uFillTx/>
+                <a:latin typeface="Calibri" panose="020F0502020204030204"/>
+                <a:ea typeface="+mn-ea"/>
+                <a:cs typeface="+mn-cs"/>
+              </a:rPr>
+              <a:t>Mask: 255.255.255.0</a:t>
+            </a:r>
+          </a:p>
+          <a:p>
+            <a:pPr marL="0" marR="0" lvl="0" indent="0" algn="l" defTabSz="914400" rtl="0" eaLnBrk="1" fontAlgn="auto" latinLnBrk="0" hangingPunct="1">
+              <a:lnSpc>
+                <a:spcPct val="100000"/>
+              </a:lnSpc>
+              <a:spcBef>
+                <a:spcPts val="0"/>
+              </a:spcBef>
+              <a:spcAft>
+                <a:spcPts val="0"/>
+              </a:spcAft>
+              <a:buClrTx/>
+              <a:buSzTx/>
+              <a:buFontTx/>
+              <a:buNone/>
+              <a:tabLst/>
+              <a:defRPr/>
+            </a:pPr>
+            <a:r>
+              <a:rPr kumimoji="0" lang="en-AU" sz="1400" b="0" i="0" u="none" strike="noStrike" kern="1200" cap="none" spc="0" normalizeH="0" baseline="0" noProof="0" dirty="0">
+                <a:ln>
+                  <a:noFill/>
+                </a:ln>
+                <a:solidFill>
+                  <a:prstClr val="black"/>
+                </a:solidFill>
+                <a:effectLst/>
+                <a:uLnTx/>
+                <a:uFillTx/>
+                <a:latin typeface="Calibri" panose="020F0502020204030204"/>
+                <a:ea typeface="+mn-ea"/>
+                <a:cs typeface="+mn-cs"/>
+              </a:rPr>
+              <a:t>Gateway: 192.168.0.55</a:t>
             </a:r>
           </a:p>
         </p:txBody>
@@ -4684,7 +5451,7 @@
         </p:blipFill>
         <p:spPr bwMode="auto">
           <a:xfrm rot="5400000" flipV="1">
-            <a:off x="4789245" y="2818806"/>
+            <a:off x="4548137" y="2818806"/>
             <a:ext cx="741574" cy="598962"/>
           </a:xfrm>
           <a:prstGeom prst="rect">
@@ -4702,10 +5469,55 @@
           </a:extLst>
         </p:spPr>
       </p:pic>
+      <p:pic>
+        <p:nvPicPr>
+          <p:cNvPr id="121" name="Picture 4" descr="Image result for wifi">
+            <a:extLst>
+              <a:ext uri="{FF2B5EF4-FFF2-40B4-BE49-F238E27FC236}">
+                <a16:creationId xmlns:a16="http://schemas.microsoft.com/office/drawing/2014/main" id="{C8C817FC-AC61-495D-AD2F-AFEF3A393219}"/>
+              </a:ext>
+            </a:extLst>
+          </p:cNvPr>
+          <p:cNvPicPr>
+            <a:picLocks noChangeAspect="1" noChangeArrowheads="1"/>
+          </p:cNvPicPr>
+          <p:nvPr/>
+        </p:nvPicPr>
+        <p:blipFill rotWithShape="1">
+          <a:blip r:embed="rId6">
+            <a:extLst>
+              <a:ext uri="{28A0092B-C50C-407E-A947-70E740481C1C}">
+                <a14:useLocalDpi xmlns:a14="http://schemas.microsoft.com/office/drawing/2010/main" val="0"/>
+              </a:ext>
+            </a:extLst>
+          </a:blip>
+          <a:srcRect l="9224" t="17121" r="9255" b="17036"/>
+          <a:stretch/>
+        </p:blipFill>
+        <p:spPr bwMode="auto">
+          <a:xfrm rot="16200000" flipV="1">
+            <a:off x="1718309" y="2818806"/>
+            <a:ext cx="741574" cy="598962"/>
+          </a:xfrm>
+          <a:prstGeom prst="rect">
+            <a:avLst/>
+          </a:prstGeom>
+          <a:noFill/>
+          <a:extLst>
+            <a:ext uri="{909E8E84-426E-40DD-AFC4-6F175D3DCCD1}">
+              <a14:hiddenFill xmlns:a14="http://schemas.microsoft.com/office/drawing/2010/main">
+                <a:solidFill>
+                  <a:srgbClr val="FFFFFF"/>
+                </a:solidFill>
+              </a14:hiddenFill>
+            </a:ext>
+          </a:extLst>
+        </p:spPr>
+      </p:pic>
     </p:spTree>
     <p:extLst>
       <p:ext uri="{BB962C8B-B14F-4D97-AF65-F5344CB8AC3E}">
-        <p14:creationId xmlns:p14="http://schemas.microsoft.com/office/powerpoint/2010/main" val="3357537796"/>
+        <p14:creationId xmlns:p14="http://schemas.microsoft.com/office/powerpoint/2010/main" val="3116201281"/>
       </p:ext>
     </p:extLst>
   </p:cSld>
@@ -4833,6 +5645,513 @@
       </p:cxnSp>
       <p:pic>
         <p:nvPicPr>
+          <p:cNvPr id="33" name="Picture 32">
+            <a:extLst>
+              <a:ext uri="{FF2B5EF4-FFF2-40B4-BE49-F238E27FC236}">
+                <a16:creationId xmlns:a16="http://schemas.microsoft.com/office/drawing/2014/main" id="{F5399DFC-94D6-4C11-870D-FE8E607C9D2E}"/>
+              </a:ext>
+            </a:extLst>
+          </p:cNvPr>
+          <p:cNvPicPr>
+            <a:picLocks noChangeAspect="1"/>
+          </p:cNvPicPr>
+          <p:nvPr/>
+        </p:nvPicPr>
+        <p:blipFill rotWithShape="1">
+          <a:blip r:embed="rId2"/>
+          <a:srcRect l="6508" t="9994" r="8415" b="10710"/>
+          <a:stretch/>
+        </p:blipFill>
+        <p:spPr>
+          <a:xfrm>
+            <a:off x="7787078" y="2328681"/>
+            <a:ext cx="1072973" cy="1572279"/>
+          </a:xfrm>
+          <a:prstGeom prst="rect">
+            <a:avLst/>
+          </a:prstGeom>
+        </p:spPr>
+      </p:pic>
+      <p:cxnSp>
+        <p:nvCxnSpPr>
+          <p:cNvPr id="29" name="Straight Connector 28">
+            <a:extLst>
+              <a:ext uri="{FF2B5EF4-FFF2-40B4-BE49-F238E27FC236}">
+                <a16:creationId xmlns:a16="http://schemas.microsoft.com/office/drawing/2014/main" id="{4D5B1C10-9597-4C94-8AF2-B38FC39A1CD9}"/>
+              </a:ext>
+            </a:extLst>
+          </p:cNvPr>
+          <p:cNvCxnSpPr>
+            <a:cxnSpLocks/>
+            <a:stCxn id="33" idx="0"/>
+            <a:endCxn id="51" idx="2"/>
+          </p:cNvCxnSpPr>
+          <p:nvPr/>
+        </p:nvCxnSpPr>
+        <p:spPr>
+          <a:xfrm flipH="1" flipV="1">
+            <a:off x="8323564" y="2125015"/>
+            <a:ext cx="1" cy="203666"/>
+          </a:xfrm>
+          <a:prstGeom prst="line">
+            <a:avLst/>
+          </a:prstGeom>
+        </p:spPr>
+        <p:style>
+          <a:lnRef idx="3">
+            <a:schemeClr val="accent5"/>
+          </a:lnRef>
+          <a:fillRef idx="0">
+            <a:schemeClr val="accent5"/>
+          </a:fillRef>
+          <a:effectRef idx="2">
+            <a:schemeClr val="accent5"/>
+          </a:effectRef>
+          <a:fontRef idx="minor">
+            <a:schemeClr val="tx1"/>
+          </a:fontRef>
+        </p:style>
+      </p:cxnSp>
+      <p:pic>
+        <p:nvPicPr>
+          <p:cNvPr id="32" name="Picture 31">
+            <a:extLst>
+              <a:ext uri="{FF2B5EF4-FFF2-40B4-BE49-F238E27FC236}">
+                <a16:creationId xmlns:a16="http://schemas.microsoft.com/office/drawing/2014/main" id="{383DC3B3-600C-42E4-B7D8-3B8117C2827D}"/>
+              </a:ext>
+            </a:extLst>
+          </p:cNvPr>
+          <p:cNvPicPr>
+            <a:picLocks noChangeAspect="1"/>
+          </p:cNvPicPr>
+          <p:nvPr/>
+        </p:nvPicPr>
+        <p:blipFill>
+          <a:blip r:embed="rId4"/>
+          <a:stretch>
+            <a:fillRect/>
+          </a:stretch>
+        </p:blipFill>
+        <p:spPr>
+          <a:xfrm>
+            <a:off x="3300728" y="2776315"/>
+            <a:ext cx="1403387" cy="669739"/>
+          </a:xfrm>
+          <a:prstGeom prst="rect">
+            <a:avLst/>
+          </a:prstGeom>
+        </p:spPr>
+      </p:pic>
+      <p:pic>
+        <p:nvPicPr>
+          <p:cNvPr id="35" name="Picture 34">
+            <a:extLst>
+              <a:ext uri="{FF2B5EF4-FFF2-40B4-BE49-F238E27FC236}">
+                <a16:creationId xmlns:a16="http://schemas.microsoft.com/office/drawing/2014/main" id="{171122DB-5D9F-4DFE-A055-73D5FD69B701}"/>
+              </a:ext>
+            </a:extLst>
+          </p:cNvPr>
+          <p:cNvPicPr>
+            <a:picLocks noChangeAspect="1"/>
+          </p:cNvPicPr>
+          <p:nvPr/>
+        </p:nvPicPr>
+        <p:blipFill>
+          <a:blip r:embed="rId5"/>
+          <a:stretch>
+            <a:fillRect/>
+          </a:stretch>
+        </p:blipFill>
+        <p:spPr>
+          <a:xfrm>
+            <a:off x="3402767" y="4566674"/>
+            <a:ext cx="1199305" cy="1164232"/>
+          </a:xfrm>
+          <a:prstGeom prst="rect">
+            <a:avLst/>
+          </a:prstGeom>
+        </p:spPr>
+      </p:pic>
+      <p:pic>
+        <p:nvPicPr>
+          <p:cNvPr id="54" name="Picture 4" descr="Image result for wifi">
+            <a:extLst>
+              <a:ext uri="{FF2B5EF4-FFF2-40B4-BE49-F238E27FC236}">
+                <a16:creationId xmlns:a16="http://schemas.microsoft.com/office/drawing/2014/main" id="{0B7680DE-EFBF-45CE-AA69-F3673A0B175B}"/>
+              </a:ext>
+            </a:extLst>
+          </p:cNvPr>
+          <p:cNvPicPr>
+            <a:picLocks noChangeAspect="1" noChangeArrowheads="1"/>
+          </p:cNvPicPr>
+          <p:nvPr/>
+        </p:nvPicPr>
+        <p:blipFill rotWithShape="1">
+          <a:blip r:embed="rId6">
+            <a:extLst>
+              <a:ext uri="{28A0092B-C50C-407E-A947-70E740481C1C}">
+                <a14:useLocalDpi xmlns:a14="http://schemas.microsoft.com/office/drawing/2010/main" val="0"/>
+              </a:ext>
+            </a:extLst>
+          </a:blip>
+          <a:srcRect l="9224" t="17121" r="9255" b="17036"/>
+          <a:stretch/>
+        </p:blipFill>
+        <p:spPr bwMode="auto">
+          <a:xfrm rot="10800000" flipV="1">
+            <a:off x="3631632" y="3706883"/>
+            <a:ext cx="741574" cy="598962"/>
+          </a:xfrm>
+          <a:prstGeom prst="rect">
+            <a:avLst/>
+          </a:prstGeom>
+          <a:noFill/>
+          <a:extLst>
+            <a:ext uri="{909E8E84-426E-40DD-AFC4-6F175D3DCCD1}">
+              <a14:hiddenFill xmlns:a14="http://schemas.microsoft.com/office/drawing/2010/main">
+                <a:solidFill>
+                  <a:srgbClr val="FFFFFF"/>
+                </a:solidFill>
+              </a14:hiddenFill>
+            </a:ext>
+          </a:extLst>
+        </p:spPr>
+      </p:pic>
+      <p:sp>
+        <p:nvSpPr>
+          <p:cNvPr id="45" name="TextBox 44">
+            <a:extLst>
+              <a:ext uri="{FF2B5EF4-FFF2-40B4-BE49-F238E27FC236}">
+                <a16:creationId xmlns:a16="http://schemas.microsoft.com/office/drawing/2014/main" id="{5031F607-8850-402B-8F28-7A54E0D575C5}"/>
+              </a:ext>
+            </a:extLst>
+          </p:cNvPr>
+          <p:cNvSpPr txBox="1"/>
+          <p:nvPr/>
+        </p:nvSpPr>
+        <p:spPr>
+          <a:xfrm>
+            <a:off x="7473331" y="1067086"/>
+            <a:ext cx="1700466" cy="369332"/>
+          </a:xfrm>
+          <a:prstGeom prst="rect">
+            <a:avLst/>
+          </a:prstGeom>
+          <a:noFill/>
+        </p:spPr>
+        <p:txBody>
+          <a:bodyPr wrap="none" rtlCol="0">
+            <a:spAutoFit/>
+          </a:bodyPr>
+          <a:lstStyle/>
+          <a:p>
+            <a:pPr algn="ctr"/>
+            <a:r>
+              <a:rPr lang="en-AU" b="1" dirty="0"/>
+              <a:t>Network Switch</a:t>
+            </a:r>
+          </a:p>
+        </p:txBody>
+      </p:sp>
+      <p:sp>
+        <p:nvSpPr>
+          <p:cNvPr id="47" name="TextBox 46">
+            <a:extLst>
+              <a:ext uri="{FF2B5EF4-FFF2-40B4-BE49-F238E27FC236}">
+                <a16:creationId xmlns:a16="http://schemas.microsoft.com/office/drawing/2014/main" id="{1BFD96B3-A6A6-4CA2-B7E9-7829D13C5215}"/>
+              </a:ext>
+            </a:extLst>
+          </p:cNvPr>
+          <p:cNvSpPr txBox="1"/>
+          <p:nvPr/>
+        </p:nvSpPr>
+        <p:spPr>
+          <a:xfrm>
+            <a:off x="5631899" y="4069224"/>
+            <a:ext cx="2006869" cy="338554"/>
+          </a:xfrm>
+          <a:prstGeom prst="rect">
+            <a:avLst/>
+          </a:prstGeom>
+          <a:noFill/>
+          <a:ln>
+            <a:solidFill>
+              <a:schemeClr val="accent5"/>
+            </a:solidFill>
+          </a:ln>
+        </p:spPr>
+        <p:txBody>
+          <a:bodyPr wrap="square" rtlCol="0">
+            <a:spAutoFit/>
+          </a:bodyPr>
+          <a:lstStyle/>
+          <a:p>
+            <a:r>
+              <a:rPr lang="en-AU" sz="1600" b="1" dirty="0"/>
+              <a:t>Host</a:t>
+            </a:r>
+            <a:r>
+              <a:rPr lang="en-AU" sz="1600" dirty="0"/>
+              <a:t>: k8smaster.local</a:t>
+            </a:r>
+          </a:p>
+        </p:txBody>
+      </p:sp>
+      <p:sp>
+        <p:nvSpPr>
+          <p:cNvPr id="72" name="TextBox 71">
+            <a:extLst>
+              <a:ext uri="{FF2B5EF4-FFF2-40B4-BE49-F238E27FC236}">
+                <a16:creationId xmlns:a16="http://schemas.microsoft.com/office/drawing/2014/main" id="{03F98099-96A9-47BA-BCB1-C6E432C9C363}"/>
+              </a:ext>
+            </a:extLst>
+          </p:cNvPr>
+          <p:cNvSpPr txBox="1"/>
+          <p:nvPr/>
+        </p:nvSpPr>
+        <p:spPr>
+          <a:xfrm>
+            <a:off x="7775175" y="4069224"/>
+            <a:ext cx="2092156" cy="338554"/>
+          </a:xfrm>
+          <a:prstGeom prst="rect">
+            <a:avLst/>
+          </a:prstGeom>
+          <a:noFill/>
+          <a:ln>
+            <a:solidFill>
+              <a:schemeClr val="accent5"/>
+            </a:solidFill>
+          </a:ln>
+        </p:spPr>
+        <p:txBody>
+          <a:bodyPr wrap="square" rtlCol="0">
+            <a:spAutoFit/>
+          </a:bodyPr>
+          <a:lstStyle/>
+          <a:p>
+            <a:r>
+              <a:rPr lang="en-AU" sz="1600" b="1" dirty="0"/>
+              <a:t>Host</a:t>
+            </a:r>
+            <a:r>
+              <a:rPr lang="en-AU" sz="1600" dirty="0"/>
+              <a:t>: k8snode1.local</a:t>
+            </a:r>
+          </a:p>
+        </p:txBody>
+      </p:sp>
+      <p:sp>
+        <p:nvSpPr>
+          <p:cNvPr id="80" name="Rectangle 79">
+            <a:extLst>
+              <a:ext uri="{FF2B5EF4-FFF2-40B4-BE49-F238E27FC236}">
+                <a16:creationId xmlns:a16="http://schemas.microsoft.com/office/drawing/2014/main" id="{3AAA8F20-0D6A-4CD5-AD2D-48C18DD8E8C1}"/>
+              </a:ext>
+            </a:extLst>
+          </p:cNvPr>
+          <p:cNvSpPr/>
+          <p:nvPr/>
+        </p:nvSpPr>
+        <p:spPr>
+          <a:xfrm>
+            <a:off x="3155072" y="2322698"/>
+            <a:ext cx="1715377" cy="400110"/>
+          </a:xfrm>
+          <a:prstGeom prst="rect">
+            <a:avLst/>
+          </a:prstGeom>
+        </p:spPr>
+        <p:txBody>
+          <a:bodyPr wrap="square">
+            <a:noAutofit/>
+          </a:bodyPr>
+          <a:lstStyle/>
+          <a:p>
+            <a:pPr algn="ctr"/>
+            <a:r>
+              <a:rPr lang="en-AU" b="1" dirty="0"/>
+              <a:t>Network Router</a:t>
+            </a:r>
+          </a:p>
+        </p:txBody>
+      </p:sp>
+      <p:pic>
+        <p:nvPicPr>
+          <p:cNvPr id="120" name="Picture 4" descr="Image result for wifi">
+            <a:extLst>
+              <a:ext uri="{FF2B5EF4-FFF2-40B4-BE49-F238E27FC236}">
+                <a16:creationId xmlns:a16="http://schemas.microsoft.com/office/drawing/2014/main" id="{9591C134-03F8-4B6E-AD04-7EB71F626C0C}"/>
+              </a:ext>
+            </a:extLst>
+          </p:cNvPr>
+          <p:cNvPicPr>
+            <a:picLocks noChangeAspect="1" noChangeArrowheads="1"/>
+          </p:cNvPicPr>
+          <p:nvPr/>
+        </p:nvPicPr>
+        <p:blipFill rotWithShape="1">
+          <a:blip r:embed="rId6">
+            <a:extLst>
+              <a:ext uri="{28A0092B-C50C-407E-A947-70E740481C1C}">
+                <a14:useLocalDpi xmlns:a14="http://schemas.microsoft.com/office/drawing/2010/main" val="0"/>
+              </a:ext>
+            </a:extLst>
+          </a:blip>
+          <a:srcRect l="9224" t="17121" r="9255" b="17036"/>
+          <a:stretch/>
+        </p:blipFill>
+        <p:spPr bwMode="auto">
+          <a:xfrm rot="5400000" flipV="1">
+            <a:off x="4789245" y="2818806"/>
+            <a:ext cx="741574" cy="598962"/>
+          </a:xfrm>
+          <a:prstGeom prst="rect">
+            <a:avLst/>
+          </a:prstGeom>
+          <a:noFill/>
+          <a:extLst>
+            <a:ext uri="{909E8E84-426E-40DD-AFC4-6F175D3DCCD1}">
+              <a14:hiddenFill xmlns:a14="http://schemas.microsoft.com/office/drawing/2010/main">
+                <a:solidFill>
+                  <a:srgbClr val="FFFFFF"/>
+                </a:solidFill>
+              </a14:hiddenFill>
+            </a:ext>
+          </a:extLst>
+        </p:spPr>
+      </p:pic>
+    </p:spTree>
+    <p:extLst>
+      <p:ext uri="{BB962C8B-B14F-4D97-AF65-F5344CB8AC3E}">
+        <p14:creationId xmlns:p14="http://schemas.microsoft.com/office/powerpoint/2010/main" val="3357537796"/>
+      </p:ext>
+    </p:extLst>
+  </p:cSld>
+  <p:clrMapOvr>
+    <a:masterClrMapping/>
+  </p:clrMapOvr>
+</p:sld>
+</file>
+
+<file path=ppt/slides/slide4.xml><?xml version="1.0" encoding="utf-8"?>
+<p:sld xmlns:a="http://schemas.openxmlformats.org/drawingml/2006/main" xmlns:r="http://schemas.openxmlformats.org/officeDocument/2006/relationships" xmlns:p="http://schemas.openxmlformats.org/presentationml/2006/main">
+  <p:cSld>
+    <p:spTree>
+      <p:nvGrpSpPr>
+        <p:cNvPr id="1" name=""/>
+        <p:cNvGrpSpPr/>
+        <p:nvPr/>
+      </p:nvGrpSpPr>
+      <p:grpSpPr>
+        <a:xfrm>
+          <a:off x="0" y="0"/>
+          <a:ext cx="0" cy="0"/>
+          <a:chOff x="0" y="0"/>
+          <a:chExt cx="0" cy="0"/>
+        </a:xfrm>
+      </p:grpSpPr>
+      <p:pic>
+        <p:nvPicPr>
+          <p:cNvPr id="50" name="Picture 49">
+            <a:extLst>
+              <a:ext uri="{FF2B5EF4-FFF2-40B4-BE49-F238E27FC236}">
+                <a16:creationId xmlns:a16="http://schemas.microsoft.com/office/drawing/2014/main" id="{31DEC10A-7AAF-443D-BF45-17FF9C1FA305}"/>
+              </a:ext>
+            </a:extLst>
+          </p:cNvPr>
+          <p:cNvPicPr>
+            <a:picLocks noChangeAspect="1"/>
+          </p:cNvPicPr>
+          <p:nvPr/>
+        </p:nvPicPr>
+        <p:blipFill rotWithShape="1">
+          <a:blip r:embed="rId2"/>
+          <a:srcRect l="6508" t="9994" r="8415" b="10710"/>
+          <a:stretch/>
+        </p:blipFill>
+        <p:spPr>
+          <a:xfrm>
+            <a:off x="5622436" y="2322698"/>
+            <a:ext cx="1072973" cy="1572279"/>
+          </a:xfrm>
+          <a:prstGeom prst="rect">
+            <a:avLst/>
+          </a:prstGeom>
+        </p:spPr>
+      </p:pic>
+      <p:pic>
+        <p:nvPicPr>
+          <p:cNvPr id="51" name="Picture 50">
+            <a:extLst>
+              <a:ext uri="{FF2B5EF4-FFF2-40B4-BE49-F238E27FC236}">
+                <a16:creationId xmlns:a16="http://schemas.microsoft.com/office/drawing/2014/main" id="{E3D8AB50-7367-4973-A22D-DBFC216DB04B}"/>
+              </a:ext>
+            </a:extLst>
+          </p:cNvPr>
+          <p:cNvPicPr>
+            <a:picLocks noChangeAspect="1"/>
+          </p:cNvPicPr>
+          <p:nvPr/>
+        </p:nvPicPr>
+        <p:blipFill>
+          <a:blip r:embed="rId3"/>
+          <a:stretch>
+            <a:fillRect/>
+          </a:stretch>
+        </p:blipFill>
+        <p:spPr>
+          <a:xfrm>
+            <a:off x="7320129" y="1455276"/>
+            <a:ext cx="2006870" cy="669739"/>
+          </a:xfrm>
+          <a:prstGeom prst="rect">
+            <a:avLst/>
+          </a:prstGeom>
+        </p:spPr>
+      </p:pic>
+      <p:cxnSp>
+        <p:nvCxnSpPr>
+          <p:cNvPr id="20" name="Connector: Elbow 19">
+            <a:extLst>
+              <a:ext uri="{FF2B5EF4-FFF2-40B4-BE49-F238E27FC236}">
+                <a16:creationId xmlns:a16="http://schemas.microsoft.com/office/drawing/2014/main" id="{38DC76CC-26BE-4797-9EA1-5BA80D0F8D51}"/>
+              </a:ext>
+            </a:extLst>
+          </p:cNvPr>
+          <p:cNvCxnSpPr>
+            <a:cxnSpLocks/>
+            <a:stCxn id="50" idx="0"/>
+            <a:endCxn id="51" idx="1"/>
+          </p:cNvCxnSpPr>
+          <p:nvPr/>
+        </p:nvCxnSpPr>
+        <p:spPr>
+          <a:xfrm rot="5400000" flipH="1" flipV="1">
+            <a:off x="6473250" y="1475819"/>
+            <a:ext cx="532552" cy="1161206"/>
+          </a:xfrm>
+          <a:prstGeom prst="bentConnector2">
+            <a:avLst/>
+          </a:prstGeom>
+        </p:spPr>
+        <p:style>
+          <a:lnRef idx="3">
+            <a:schemeClr val="accent5"/>
+          </a:lnRef>
+          <a:fillRef idx="0">
+            <a:schemeClr val="accent5"/>
+          </a:fillRef>
+          <a:effectRef idx="2">
+            <a:schemeClr val="accent5"/>
+          </a:effectRef>
+          <a:fontRef idx="minor">
+            <a:schemeClr val="tx1"/>
+          </a:fontRef>
+        </p:style>
+      </p:cxnSp>
+      <p:pic>
+        <p:nvPicPr>
           <p:cNvPr id="32" name="Picture 31">
             <a:extLst>
               <a:ext uri="{FF2B5EF4-FFF2-40B4-BE49-F238E27FC236}">
@@ -5109,7 +6428,7 @@
 </p:sld>
 </file>
 
-<file path=ppt/slides/slide4.xml><?xml version="1.0" encoding="utf-8"?>
+<file path=ppt/slides/slide5.xml><?xml version="1.0" encoding="utf-8"?>
 <p:sld xmlns:a="http://schemas.openxmlformats.org/drawingml/2006/main" xmlns:r="http://schemas.openxmlformats.org/officeDocument/2006/relationships" xmlns:p="http://schemas.openxmlformats.org/presentationml/2006/main">
   <p:cSld>
     <p:spTree>
